--- a/CPlus/U1664298_OSHEARD.pptx
+++ b/CPlus/U1664298_OSHEARD.pptx
@@ -4,8 +4,14 @@
   <p:sldMasterIdLst>
     <p:sldMasterId id="2147483648" r:id="rId1"/>
   </p:sldMasterIdLst>
+  <p:notesMasterIdLst>
+    <p:notesMasterId r:id="rId6"/>
+  </p:notesMasterIdLst>
   <p:sldIdLst>
     <p:sldId id="256" r:id="rId2"/>
+    <p:sldId id="258" r:id="rId3"/>
+    <p:sldId id="257" r:id="rId4"/>
+    <p:sldId id="259" r:id="rId5"/>
   </p:sldIdLst>
   <p:sldSz cx="12192000" cy="6858000"/>
   <p:notesSz cx="6858000" cy="9144000"/>
@@ -104,7 +110,744 @@
       </a:defRPr>
     </a:lvl9pPr>
   </p:defaultTextStyle>
+  <p:extLst>
+    <p:ext uri="{EFAFB233-063F-42B5-8137-9DF3F51BA10A}">
+      <p15:sldGuideLst xmlns:p15="http://schemas.microsoft.com/office/powerpoint/2012/main"/>
+    </p:ext>
+  </p:extLst>
 </p:presentation>
+</file>
+
+<file path=ppt/revisionInfo.xml><?xml version="1.0" encoding="utf-8"?>
+<p1510:revInfo xmlns:a="http://schemas.openxmlformats.org/drawingml/2006/main" xmlns:r="http://schemas.openxmlformats.org/officeDocument/2006/relationships" xmlns:p1510="http://schemas.microsoft.com/office/powerpoint/2015/10/main"/>
+</file>
+
+<file path=ppt/notesMasters/notesMaster1.xml><?xml version="1.0" encoding="utf-8"?>
+<p:notesMaster xmlns:a="http://schemas.openxmlformats.org/drawingml/2006/main" xmlns:r="http://schemas.openxmlformats.org/officeDocument/2006/relationships" xmlns:p="http://schemas.openxmlformats.org/presentationml/2006/main">
+  <p:cSld>
+    <p:bg>
+      <p:bgRef idx="1001">
+        <a:schemeClr val="bg1"/>
+      </p:bgRef>
+    </p:bg>
+    <p:spTree>
+      <p:nvGrpSpPr>
+        <p:cNvPr id="1" name=""/>
+        <p:cNvGrpSpPr/>
+        <p:nvPr/>
+      </p:nvGrpSpPr>
+      <p:grpSpPr>
+        <a:xfrm>
+          <a:off x="0" y="0"/>
+          <a:ext cx="0" cy="0"/>
+          <a:chOff x="0" y="0"/>
+          <a:chExt cx="0" cy="0"/>
+        </a:xfrm>
+      </p:grpSpPr>
+      <p:sp>
+        <p:nvSpPr>
+          <p:cNvPr id="2" name="Header Placeholder 1"/>
+          <p:cNvSpPr>
+            <a:spLocks noGrp="1"/>
+          </p:cNvSpPr>
+          <p:nvPr>
+            <p:ph type="hdr" sz="quarter"/>
+          </p:nvPr>
+        </p:nvSpPr>
+        <p:spPr>
+          <a:xfrm>
+            <a:off x="0" y="0"/>
+            <a:ext cx="2971800" cy="458788"/>
+          </a:xfrm>
+          <a:prstGeom prst="rect">
+            <a:avLst/>
+          </a:prstGeom>
+        </p:spPr>
+        <p:txBody>
+          <a:bodyPr vert="horz" lIns="91440" tIns="45720" rIns="91440" bIns="45720" rtlCol="0"/>
+          <a:lstStyle>
+            <a:lvl1pPr algn="l">
+              <a:defRPr sz="1200"/>
+            </a:lvl1pPr>
+          </a:lstStyle>
+          <a:p>
+            <a:endParaRPr lang="en-GB"/>
+          </a:p>
+        </p:txBody>
+      </p:sp>
+      <p:sp>
+        <p:nvSpPr>
+          <p:cNvPr id="3" name="Date Placeholder 2"/>
+          <p:cNvSpPr>
+            <a:spLocks noGrp="1"/>
+          </p:cNvSpPr>
+          <p:nvPr>
+            <p:ph type="dt" idx="1"/>
+          </p:nvPr>
+        </p:nvSpPr>
+        <p:spPr>
+          <a:xfrm>
+            <a:off x="3884613" y="0"/>
+            <a:ext cx="2971800" cy="458788"/>
+          </a:xfrm>
+          <a:prstGeom prst="rect">
+            <a:avLst/>
+          </a:prstGeom>
+        </p:spPr>
+        <p:txBody>
+          <a:bodyPr vert="horz" lIns="91440" tIns="45720" rIns="91440" bIns="45720" rtlCol="0"/>
+          <a:lstStyle>
+            <a:lvl1pPr algn="r">
+              <a:defRPr sz="1200"/>
+            </a:lvl1pPr>
+          </a:lstStyle>
+          <a:p>
+            <a:fld id="{D1767D1C-C212-4F7E-8227-5B0A07676FD9}" type="datetimeFigureOut">
+              <a:rPr lang="en-GB" smtClean="0"/>
+              <a:t>09/12/2017</a:t>
+            </a:fld>
+            <a:endParaRPr lang="en-GB"/>
+          </a:p>
+        </p:txBody>
+      </p:sp>
+      <p:sp>
+        <p:nvSpPr>
+          <p:cNvPr id="4" name="Slide Image Placeholder 3"/>
+          <p:cNvSpPr>
+            <a:spLocks noGrp="1" noRot="1" noChangeAspect="1"/>
+          </p:cNvSpPr>
+          <p:nvPr>
+            <p:ph type="sldImg" idx="2"/>
+          </p:nvPr>
+        </p:nvSpPr>
+        <p:spPr>
+          <a:xfrm>
+            <a:off x="685800" y="1143000"/>
+            <a:ext cx="5486400" cy="3086100"/>
+          </a:xfrm>
+          <a:prstGeom prst="rect">
+            <a:avLst/>
+          </a:prstGeom>
+          <a:noFill/>
+          <a:ln w="12700">
+            <a:solidFill>
+              <a:prstClr val="black"/>
+            </a:solidFill>
+          </a:ln>
+        </p:spPr>
+        <p:txBody>
+          <a:bodyPr vert="horz" lIns="91440" tIns="45720" rIns="91440" bIns="45720" rtlCol="0" anchor="ctr"/>
+          <a:lstStyle/>
+          <a:p>
+            <a:endParaRPr lang="en-GB"/>
+          </a:p>
+        </p:txBody>
+      </p:sp>
+      <p:sp>
+        <p:nvSpPr>
+          <p:cNvPr id="5" name="Notes Placeholder 4"/>
+          <p:cNvSpPr>
+            <a:spLocks noGrp="1"/>
+          </p:cNvSpPr>
+          <p:nvPr>
+            <p:ph type="body" sz="quarter" idx="3"/>
+          </p:nvPr>
+        </p:nvSpPr>
+        <p:spPr>
+          <a:xfrm>
+            <a:off x="685800" y="4400550"/>
+            <a:ext cx="5486400" cy="3600450"/>
+          </a:xfrm>
+          <a:prstGeom prst="rect">
+            <a:avLst/>
+          </a:prstGeom>
+        </p:spPr>
+        <p:txBody>
+          <a:bodyPr vert="horz" lIns="91440" tIns="45720" rIns="91440" bIns="45720" rtlCol="0"/>
+          <a:lstStyle/>
+          <a:p>
+            <a:pPr lvl="0"/>
+            <a:r>
+              <a:rPr lang="en-US"/>
+              <a:t>Edit Master text styles</a:t>
+            </a:r>
+          </a:p>
+          <a:p>
+            <a:pPr lvl="1"/>
+            <a:r>
+              <a:rPr lang="en-US"/>
+              <a:t>Second level</a:t>
+            </a:r>
+          </a:p>
+          <a:p>
+            <a:pPr lvl="2"/>
+            <a:r>
+              <a:rPr lang="en-US"/>
+              <a:t>Third level</a:t>
+            </a:r>
+          </a:p>
+          <a:p>
+            <a:pPr lvl="3"/>
+            <a:r>
+              <a:rPr lang="en-US"/>
+              <a:t>Fourth level</a:t>
+            </a:r>
+          </a:p>
+          <a:p>
+            <a:pPr lvl="4"/>
+            <a:r>
+              <a:rPr lang="en-US"/>
+              <a:t>Fifth level</a:t>
+            </a:r>
+            <a:endParaRPr lang="en-GB"/>
+          </a:p>
+        </p:txBody>
+      </p:sp>
+      <p:sp>
+        <p:nvSpPr>
+          <p:cNvPr id="6" name="Footer Placeholder 5"/>
+          <p:cNvSpPr>
+            <a:spLocks noGrp="1"/>
+          </p:cNvSpPr>
+          <p:nvPr>
+            <p:ph type="ftr" sz="quarter" idx="4"/>
+          </p:nvPr>
+        </p:nvSpPr>
+        <p:spPr>
+          <a:xfrm>
+            <a:off x="0" y="8685213"/>
+            <a:ext cx="2971800" cy="458787"/>
+          </a:xfrm>
+          <a:prstGeom prst="rect">
+            <a:avLst/>
+          </a:prstGeom>
+        </p:spPr>
+        <p:txBody>
+          <a:bodyPr vert="horz" lIns="91440" tIns="45720" rIns="91440" bIns="45720" rtlCol="0" anchor="b"/>
+          <a:lstStyle>
+            <a:lvl1pPr algn="l">
+              <a:defRPr sz="1200"/>
+            </a:lvl1pPr>
+          </a:lstStyle>
+          <a:p>
+            <a:endParaRPr lang="en-GB"/>
+          </a:p>
+        </p:txBody>
+      </p:sp>
+      <p:sp>
+        <p:nvSpPr>
+          <p:cNvPr id="7" name="Slide Number Placeholder 6"/>
+          <p:cNvSpPr>
+            <a:spLocks noGrp="1"/>
+          </p:cNvSpPr>
+          <p:nvPr>
+            <p:ph type="sldNum" sz="quarter" idx="5"/>
+          </p:nvPr>
+        </p:nvSpPr>
+        <p:spPr>
+          <a:xfrm>
+            <a:off x="3884613" y="8685213"/>
+            <a:ext cx="2971800" cy="458787"/>
+          </a:xfrm>
+          <a:prstGeom prst="rect">
+            <a:avLst/>
+          </a:prstGeom>
+        </p:spPr>
+        <p:txBody>
+          <a:bodyPr vert="horz" lIns="91440" tIns="45720" rIns="91440" bIns="45720" rtlCol="0" anchor="b"/>
+          <a:lstStyle>
+            <a:lvl1pPr algn="r">
+              <a:defRPr sz="1200"/>
+            </a:lvl1pPr>
+          </a:lstStyle>
+          <a:p>
+            <a:fld id="{37E8F050-7FD1-4A22-A4B8-53A8383C455F}" type="slidenum">
+              <a:rPr lang="en-GB" smtClean="0"/>
+              <a:t>‹#›</a:t>
+            </a:fld>
+            <a:endParaRPr lang="en-GB"/>
+          </a:p>
+        </p:txBody>
+      </p:sp>
+    </p:spTree>
+    <p:extLst>
+      <p:ext uri="{BB962C8B-B14F-4D97-AF65-F5344CB8AC3E}">
+        <p14:creationId xmlns:p14="http://schemas.microsoft.com/office/powerpoint/2010/main" val="4074697647"/>
+      </p:ext>
+    </p:extLst>
+  </p:cSld>
+  <p:clrMap bg1="lt1" tx1="dk1" bg2="lt2" tx2="dk2" accent1="accent1" accent2="accent2" accent3="accent3" accent4="accent4" accent5="accent5" accent6="accent6" hlink="hlink" folHlink="folHlink"/>
+  <p:notesStyle>
+    <a:lvl1pPr marL="0" algn="l" defTabSz="914400" rtl="0" eaLnBrk="1" latinLnBrk="0" hangingPunct="1">
+      <a:defRPr sz="1200" kern="1200">
+        <a:solidFill>
+          <a:schemeClr val="tx1"/>
+        </a:solidFill>
+        <a:latin typeface="+mn-lt"/>
+        <a:ea typeface="+mn-ea"/>
+        <a:cs typeface="+mn-cs"/>
+      </a:defRPr>
+    </a:lvl1pPr>
+    <a:lvl2pPr marL="457200" algn="l" defTabSz="914400" rtl="0" eaLnBrk="1" latinLnBrk="0" hangingPunct="1">
+      <a:defRPr sz="1200" kern="1200">
+        <a:solidFill>
+          <a:schemeClr val="tx1"/>
+        </a:solidFill>
+        <a:latin typeface="+mn-lt"/>
+        <a:ea typeface="+mn-ea"/>
+        <a:cs typeface="+mn-cs"/>
+      </a:defRPr>
+    </a:lvl2pPr>
+    <a:lvl3pPr marL="914400" algn="l" defTabSz="914400" rtl="0" eaLnBrk="1" latinLnBrk="0" hangingPunct="1">
+      <a:defRPr sz="1200" kern="1200">
+        <a:solidFill>
+          <a:schemeClr val="tx1"/>
+        </a:solidFill>
+        <a:latin typeface="+mn-lt"/>
+        <a:ea typeface="+mn-ea"/>
+        <a:cs typeface="+mn-cs"/>
+      </a:defRPr>
+    </a:lvl3pPr>
+    <a:lvl4pPr marL="1371600" algn="l" defTabSz="914400" rtl="0" eaLnBrk="1" latinLnBrk="0" hangingPunct="1">
+      <a:defRPr sz="1200" kern="1200">
+        <a:solidFill>
+          <a:schemeClr val="tx1"/>
+        </a:solidFill>
+        <a:latin typeface="+mn-lt"/>
+        <a:ea typeface="+mn-ea"/>
+        <a:cs typeface="+mn-cs"/>
+      </a:defRPr>
+    </a:lvl4pPr>
+    <a:lvl5pPr marL="1828800" algn="l" defTabSz="914400" rtl="0" eaLnBrk="1" latinLnBrk="0" hangingPunct="1">
+      <a:defRPr sz="1200" kern="1200">
+        <a:solidFill>
+          <a:schemeClr val="tx1"/>
+        </a:solidFill>
+        <a:latin typeface="+mn-lt"/>
+        <a:ea typeface="+mn-ea"/>
+        <a:cs typeface="+mn-cs"/>
+      </a:defRPr>
+    </a:lvl5pPr>
+    <a:lvl6pPr marL="2286000" algn="l" defTabSz="914400" rtl="0" eaLnBrk="1" latinLnBrk="0" hangingPunct="1">
+      <a:defRPr sz="1200" kern="1200">
+        <a:solidFill>
+          <a:schemeClr val="tx1"/>
+        </a:solidFill>
+        <a:latin typeface="+mn-lt"/>
+        <a:ea typeface="+mn-ea"/>
+        <a:cs typeface="+mn-cs"/>
+      </a:defRPr>
+    </a:lvl6pPr>
+    <a:lvl7pPr marL="2743200" algn="l" defTabSz="914400" rtl="0" eaLnBrk="1" latinLnBrk="0" hangingPunct="1">
+      <a:defRPr sz="1200" kern="1200">
+        <a:solidFill>
+          <a:schemeClr val="tx1"/>
+        </a:solidFill>
+        <a:latin typeface="+mn-lt"/>
+        <a:ea typeface="+mn-ea"/>
+        <a:cs typeface="+mn-cs"/>
+      </a:defRPr>
+    </a:lvl7pPr>
+    <a:lvl8pPr marL="3200400" algn="l" defTabSz="914400" rtl="0" eaLnBrk="1" latinLnBrk="0" hangingPunct="1">
+      <a:defRPr sz="1200" kern="1200">
+        <a:solidFill>
+          <a:schemeClr val="tx1"/>
+        </a:solidFill>
+        <a:latin typeface="+mn-lt"/>
+        <a:ea typeface="+mn-ea"/>
+        <a:cs typeface="+mn-cs"/>
+      </a:defRPr>
+    </a:lvl8pPr>
+    <a:lvl9pPr marL="3657600" algn="l" defTabSz="914400" rtl="0" eaLnBrk="1" latinLnBrk="0" hangingPunct="1">
+      <a:defRPr sz="1200" kern="1200">
+        <a:solidFill>
+          <a:schemeClr val="tx1"/>
+        </a:solidFill>
+        <a:latin typeface="+mn-lt"/>
+        <a:ea typeface="+mn-ea"/>
+        <a:cs typeface="+mn-cs"/>
+      </a:defRPr>
+    </a:lvl9pPr>
+  </p:notesStyle>
+</p:notesMaster>
+</file>
+
+<file path=ppt/notesSlides/notesSlide1.xml><?xml version="1.0" encoding="utf-8"?>
+<p:notes xmlns:a="http://schemas.openxmlformats.org/drawingml/2006/main" xmlns:r="http://schemas.openxmlformats.org/officeDocument/2006/relationships" xmlns:p="http://schemas.openxmlformats.org/presentationml/2006/main">
+  <p:cSld>
+    <p:spTree>
+      <p:nvGrpSpPr>
+        <p:cNvPr id="1" name=""/>
+        <p:cNvGrpSpPr/>
+        <p:nvPr/>
+      </p:nvGrpSpPr>
+      <p:grpSpPr>
+        <a:xfrm>
+          <a:off x="0" y="0"/>
+          <a:ext cx="0" cy="0"/>
+          <a:chOff x="0" y="0"/>
+          <a:chExt cx="0" cy="0"/>
+        </a:xfrm>
+      </p:grpSpPr>
+      <p:sp>
+        <p:nvSpPr>
+          <p:cNvPr id="2" name="Slide Image Placeholder 1"/>
+          <p:cNvSpPr>
+            <a:spLocks noGrp="1" noRot="1" noChangeAspect="1"/>
+          </p:cNvSpPr>
+          <p:nvPr>
+            <p:ph type="sldImg"/>
+          </p:nvPr>
+        </p:nvSpPr>
+        <p:spPr/>
+      </p:sp>
+      <p:sp>
+        <p:nvSpPr>
+          <p:cNvPr id="3" name="Notes Placeholder 2"/>
+          <p:cNvSpPr>
+            <a:spLocks noGrp="1"/>
+          </p:cNvSpPr>
+          <p:nvPr>
+            <p:ph type="body" idx="1"/>
+          </p:nvPr>
+        </p:nvSpPr>
+        <p:spPr/>
+        <p:txBody>
+          <a:bodyPr/>
+          <a:lstStyle/>
+          <a:p>
+            <a:endParaRPr lang="en-GB" dirty="0"/>
+          </a:p>
+        </p:txBody>
+      </p:sp>
+      <p:sp>
+        <p:nvSpPr>
+          <p:cNvPr id="4" name="Slide Number Placeholder 3"/>
+          <p:cNvSpPr>
+            <a:spLocks noGrp="1"/>
+          </p:cNvSpPr>
+          <p:nvPr>
+            <p:ph type="sldNum" sz="quarter" idx="10"/>
+          </p:nvPr>
+        </p:nvSpPr>
+        <p:spPr/>
+        <p:txBody>
+          <a:bodyPr/>
+          <a:lstStyle/>
+          <a:p>
+            <a:fld id="{37E8F050-7FD1-4A22-A4B8-53A8383C455F}" type="slidenum">
+              <a:rPr lang="en-GB" smtClean="0"/>
+              <a:t>1</a:t>
+            </a:fld>
+            <a:endParaRPr lang="en-GB"/>
+          </a:p>
+        </p:txBody>
+      </p:sp>
+    </p:spTree>
+    <p:extLst>
+      <p:ext uri="{BB962C8B-B14F-4D97-AF65-F5344CB8AC3E}">
+        <p14:creationId xmlns:p14="http://schemas.microsoft.com/office/powerpoint/2010/main" val="2823151493"/>
+      </p:ext>
+    </p:extLst>
+  </p:cSld>
+  <p:clrMapOvr>
+    <a:masterClrMapping/>
+  </p:clrMapOvr>
+</p:notes>
+</file>
+
+<file path=ppt/notesSlides/notesSlide2.xml><?xml version="1.0" encoding="utf-8"?>
+<p:notes xmlns:a="http://schemas.openxmlformats.org/drawingml/2006/main" xmlns:r="http://schemas.openxmlformats.org/officeDocument/2006/relationships" xmlns:p="http://schemas.openxmlformats.org/presentationml/2006/main">
+  <p:cSld>
+    <p:spTree>
+      <p:nvGrpSpPr>
+        <p:cNvPr id="1" name=""/>
+        <p:cNvGrpSpPr/>
+        <p:nvPr/>
+      </p:nvGrpSpPr>
+      <p:grpSpPr>
+        <a:xfrm>
+          <a:off x="0" y="0"/>
+          <a:ext cx="0" cy="0"/>
+          <a:chOff x="0" y="0"/>
+          <a:chExt cx="0" cy="0"/>
+        </a:xfrm>
+      </p:grpSpPr>
+      <p:sp>
+        <p:nvSpPr>
+          <p:cNvPr id="2" name="Slide Image Placeholder 1"/>
+          <p:cNvSpPr>
+            <a:spLocks noGrp="1" noRot="1" noChangeAspect="1"/>
+          </p:cNvSpPr>
+          <p:nvPr>
+            <p:ph type="sldImg"/>
+          </p:nvPr>
+        </p:nvSpPr>
+        <p:spPr/>
+      </p:sp>
+      <p:sp>
+        <p:nvSpPr>
+          <p:cNvPr id="3" name="Notes Placeholder 2"/>
+          <p:cNvSpPr>
+            <a:spLocks noGrp="1"/>
+          </p:cNvSpPr>
+          <p:nvPr>
+            <p:ph type="body" idx="1"/>
+          </p:nvPr>
+        </p:nvSpPr>
+        <p:spPr/>
+        <p:txBody>
+          <a:bodyPr/>
+          <a:lstStyle/>
+          <a:p>
+            <a:endParaRPr lang="en-GB" dirty="0"/>
+          </a:p>
+        </p:txBody>
+      </p:sp>
+      <p:sp>
+        <p:nvSpPr>
+          <p:cNvPr id="4" name="Slide Number Placeholder 3"/>
+          <p:cNvSpPr>
+            <a:spLocks noGrp="1"/>
+          </p:cNvSpPr>
+          <p:nvPr>
+            <p:ph type="sldNum" sz="quarter" idx="10"/>
+          </p:nvPr>
+        </p:nvSpPr>
+        <p:spPr/>
+        <p:txBody>
+          <a:bodyPr/>
+          <a:lstStyle/>
+          <a:p>
+            <a:fld id="{37E8F050-7FD1-4A22-A4B8-53A8383C455F}" type="slidenum">
+              <a:rPr lang="en-GB" smtClean="0"/>
+              <a:t>2</a:t>
+            </a:fld>
+            <a:endParaRPr lang="en-GB"/>
+          </a:p>
+        </p:txBody>
+      </p:sp>
+    </p:spTree>
+    <p:extLst>
+      <p:ext uri="{BB962C8B-B14F-4D97-AF65-F5344CB8AC3E}">
+        <p14:creationId xmlns:p14="http://schemas.microsoft.com/office/powerpoint/2010/main" val="1130676567"/>
+      </p:ext>
+    </p:extLst>
+  </p:cSld>
+  <p:clrMapOvr>
+    <a:masterClrMapping/>
+  </p:clrMapOvr>
+</p:notes>
+</file>
+
+<file path=ppt/notesSlides/notesSlide3.xml><?xml version="1.0" encoding="utf-8"?>
+<p:notes xmlns:a="http://schemas.openxmlformats.org/drawingml/2006/main" xmlns:r="http://schemas.openxmlformats.org/officeDocument/2006/relationships" xmlns:p="http://schemas.openxmlformats.org/presentationml/2006/main">
+  <p:cSld>
+    <p:spTree>
+      <p:nvGrpSpPr>
+        <p:cNvPr id="1" name=""/>
+        <p:cNvGrpSpPr/>
+        <p:nvPr/>
+      </p:nvGrpSpPr>
+      <p:grpSpPr>
+        <a:xfrm>
+          <a:off x="0" y="0"/>
+          <a:ext cx="0" cy="0"/>
+          <a:chOff x="0" y="0"/>
+          <a:chExt cx="0" cy="0"/>
+        </a:xfrm>
+      </p:grpSpPr>
+      <p:sp>
+        <p:nvSpPr>
+          <p:cNvPr id="2" name="Slide Image Placeholder 1"/>
+          <p:cNvSpPr>
+            <a:spLocks noGrp="1" noRot="1" noChangeAspect="1"/>
+          </p:cNvSpPr>
+          <p:nvPr>
+            <p:ph type="sldImg"/>
+          </p:nvPr>
+        </p:nvSpPr>
+        <p:spPr/>
+      </p:sp>
+      <p:sp>
+        <p:nvSpPr>
+          <p:cNvPr id="3" name="Notes Placeholder 2"/>
+          <p:cNvSpPr>
+            <a:spLocks noGrp="1"/>
+          </p:cNvSpPr>
+          <p:nvPr>
+            <p:ph type="body" idx="1"/>
+          </p:nvPr>
+        </p:nvSpPr>
+        <p:spPr/>
+        <p:txBody>
+          <a:bodyPr/>
+          <a:lstStyle/>
+          <a:p>
+            <a:r>
+              <a:rPr lang="en-GB" dirty="0"/>
+              <a:t>Changing any of the +rotation values to – will flip the path of the circle (CW-&gt;ACW) etc.</a:t>
+            </a:r>
+          </a:p>
+          <a:p>
+            <a:endParaRPr lang="en-GB" dirty="0"/>
+          </a:p>
+          <a:p>
+            <a:r>
+              <a:rPr lang="en-GB" dirty="0"/>
+              <a:t>Multiplying the cos(theta) value enlarges the circle path, ellipses occur when one multiplier != the other</a:t>
+            </a:r>
+          </a:p>
+          <a:p>
+            <a:endParaRPr lang="en-GB" dirty="0"/>
+          </a:p>
+          <a:p>
+            <a:r>
+              <a:rPr lang="en-GB" dirty="0"/>
+              <a:t>Adding to the rotation value shifts the phase in relation to other rotating values</a:t>
+            </a:r>
+          </a:p>
+          <a:p>
+            <a:endParaRPr lang="en-GB" dirty="0"/>
+          </a:p>
+          <a:p>
+            <a:r>
+              <a:rPr lang="en-GB" dirty="0"/>
+              <a:t>Multiplying rotation (or dividing) changes the time taken to complete one rotation</a:t>
+            </a:r>
+          </a:p>
+        </p:txBody>
+      </p:sp>
+      <p:sp>
+        <p:nvSpPr>
+          <p:cNvPr id="4" name="Slide Number Placeholder 3"/>
+          <p:cNvSpPr>
+            <a:spLocks noGrp="1"/>
+          </p:cNvSpPr>
+          <p:nvPr>
+            <p:ph type="sldNum" sz="quarter" idx="10"/>
+          </p:nvPr>
+        </p:nvSpPr>
+        <p:spPr/>
+        <p:txBody>
+          <a:bodyPr/>
+          <a:lstStyle/>
+          <a:p>
+            <a:fld id="{37E8F050-7FD1-4A22-A4B8-53A8383C455F}" type="slidenum">
+              <a:rPr lang="en-GB" smtClean="0"/>
+              <a:t>3</a:t>
+            </a:fld>
+            <a:endParaRPr lang="en-GB"/>
+          </a:p>
+        </p:txBody>
+      </p:sp>
+    </p:spTree>
+    <p:extLst>
+      <p:ext uri="{BB962C8B-B14F-4D97-AF65-F5344CB8AC3E}">
+        <p14:creationId xmlns:p14="http://schemas.microsoft.com/office/powerpoint/2010/main" val="3606889610"/>
+      </p:ext>
+    </p:extLst>
+  </p:cSld>
+  <p:clrMapOvr>
+    <a:masterClrMapping/>
+  </p:clrMapOvr>
+</p:notes>
+</file>
+
+<file path=ppt/notesSlides/notesSlide4.xml><?xml version="1.0" encoding="utf-8"?>
+<p:notes xmlns:a="http://schemas.openxmlformats.org/drawingml/2006/main" xmlns:r="http://schemas.openxmlformats.org/officeDocument/2006/relationships" xmlns:p="http://schemas.openxmlformats.org/presentationml/2006/main">
+  <p:cSld>
+    <p:spTree>
+      <p:nvGrpSpPr>
+        <p:cNvPr id="1" name=""/>
+        <p:cNvGrpSpPr/>
+        <p:nvPr/>
+      </p:nvGrpSpPr>
+      <p:grpSpPr>
+        <a:xfrm>
+          <a:off x="0" y="0"/>
+          <a:ext cx="0" cy="0"/>
+          <a:chOff x="0" y="0"/>
+          <a:chExt cx="0" cy="0"/>
+        </a:xfrm>
+      </p:grpSpPr>
+      <p:sp>
+        <p:nvSpPr>
+          <p:cNvPr id="2" name="Slide Image Placeholder 1"/>
+          <p:cNvSpPr>
+            <a:spLocks noGrp="1" noRot="1" noChangeAspect="1"/>
+          </p:cNvSpPr>
+          <p:nvPr>
+            <p:ph type="sldImg"/>
+          </p:nvPr>
+        </p:nvSpPr>
+        <p:spPr/>
+      </p:sp>
+      <p:sp>
+        <p:nvSpPr>
+          <p:cNvPr id="3" name="Notes Placeholder 2"/>
+          <p:cNvSpPr>
+            <a:spLocks noGrp="1"/>
+          </p:cNvSpPr>
+          <p:nvPr>
+            <p:ph type="body" idx="1"/>
+          </p:nvPr>
+        </p:nvSpPr>
+        <p:spPr/>
+        <p:txBody>
+          <a:bodyPr/>
+          <a:lstStyle/>
+          <a:p>
+            <a:r>
+              <a:rPr lang="en-GB" dirty="0"/>
+              <a:t>Pythagoras and Trig</a:t>
+            </a:r>
+          </a:p>
+          <a:p>
+            <a:endParaRPr lang="en-GB" dirty="0"/>
+          </a:p>
+          <a:p>
+            <a:r>
+              <a:rPr lang="en-GB" dirty="0"/>
+              <a:t>By restraining the camera AFTER the movement update, the camera will slide around the edge of the sphere rather than jump about a little.</a:t>
+            </a:r>
+          </a:p>
+        </p:txBody>
+      </p:sp>
+      <p:sp>
+        <p:nvSpPr>
+          <p:cNvPr id="4" name="Slide Number Placeholder 3"/>
+          <p:cNvSpPr>
+            <a:spLocks noGrp="1"/>
+          </p:cNvSpPr>
+          <p:nvPr>
+            <p:ph type="sldNum" sz="quarter" idx="10"/>
+          </p:nvPr>
+        </p:nvSpPr>
+        <p:spPr/>
+        <p:txBody>
+          <a:bodyPr/>
+          <a:lstStyle/>
+          <a:p>
+            <a:fld id="{37E8F050-7FD1-4A22-A4B8-53A8383C455F}" type="slidenum">
+              <a:rPr lang="en-GB" smtClean="0"/>
+              <a:t>4</a:t>
+            </a:fld>
+            <a:endParaRPr lang="en-GB"/>
+          </a:p>
+        </p:txBody>
+      </p:sp>
+    </p:spTree>
+    <p:extLst>
+      <p:ext uri="{BB962C8B-B14F-4D97-AF65-F5344CB8AC3E}">
+        <p14:creationId xmlns:p14="http://schemas.microsoft.com/office/powerpoint/2010/main" val="898105343"/>
+      </p:ext>
+    </p:extLst>
+  </p:cSld>
+  <p:clrMapOvr>
+    <a:masterClrMapping/>
+  </p:clrMapOvr>
+</p:notes>
 </file>
 
 <file path=ppt/slideLayouts/slideLayout1.xml><?xml version="1.0" encoding="utf-8"?>
@@ -149,7 +892,7 @@
           </a:lstStyle>
           <a:p>
             <a:r>
-              <a:rPr lang="en-US" smtClean="0"/>
+              <a:rPr lang="en-US"/>
               <a:t>Click to edit Master title style</a:t>
             </a:r>
             <a:endParaRPr lang="en-GB"/>
@@ -214,7 +957,7 @@
           </a:lstStyle>
           <a:p>
             <a:r>
-              <a:rPr lang="en-US" smtClean="0"/>
+              <a:rPr lang="en-US"/>
               <a:t>Click to edit Master subtitle style</a:t>
             </a:r>
             <a:endParaRPr lang="en-GB"/>
@@ -238,7 +981,7 @@
           <a:p>
             <a:fld id="{9C48230E-1023-4AC4-9E7F-DF1B1E336168}" type="datetimeFigureOut">
               <a:rPr lang="en-GB" smtClean="0"/>
-              <a:t>07/12/2017</a:t>
+              <a:t>09/12/2017</a:t>
             </a:fld>
             <a:endParaRPr lang="en-GB"/>
           </a:p>
@@ -332,7 +1075,7 @@
           <a:lstStyle/>
           <a:p>
             <a:r>
-              <a:rPr lang="en-US" smtClean="0"/>
+              <a:rPr lang="en-US"/>
               <a:t>Click to edit Master title style</a:t>
             </a:r>
             <a:endParaRPr lang="en-GB"/>
@@ -356,35 +1099,35 @@
           <a:p>
             <a:pPr lvl="0"/>
             <a:r>
-              <a:rPr lang="en-US" smtClean="0"/>
+              <a:rPr lang="en-US"/>
               <a:t>Edit Master text styles</a:t>
             </a:r>
           </a:p>
           <a:p>
             <a:pPr lvl="1"/>
             <a:r>
-              <a:rPr lang="en-US" smtClean="0"/>
+              <a:rPr lang="en-US"/>
               <a:t>Second level</a:t>
             </a:r>
           </a:p>
           <a:p>
             <a:pPr lvl="2"/>
             <a:r>
-              <a:rPr lang="en-US" smtClean="0"/>
+              <a:rPr lang="en-US"/>
               <a:t>Third level</a:t>
             </a:r>
           </a:p>
           <a:p>
             <a:pPr lvl="3"/>
             <a:r>
-              <a:rPr lang="en-US" smtClean="0"/>
+              <a:rPr lang="en-US"/>
               <a:t>Fourth level</a:t>
             </a:r>
           </a:p>
           <a:p>
             <a:pPr lvl="4"/>
             <a:r>
-              <a:rPr lang="en-US" smtClean="0"/>
+              <a:rPr lang="en-US"/>
               <a:t>Fifth level</a:t>
             </a:r>
             <a:endParaRPr lang="en-GB"/>
@@ -408,7 +1151,7 @@
           <a:p>
             <a:fld id="{9C48230E-1023-4AC4-9E7F-DF1B1E336168}" type="datetimeFigureOut">
               <a:rPr lang="en-GB" smtClean="0"/>
-              <a:t>07/12/2017</a:t>
+              <a:t>09/12/2017</a:t>
             </a:fld>
             <a:endParaRPr lang="en-GB"/>
           </a:p>
@@ -507,7 +1250,7 @@
           <a:lstStyle/>
           <a:p>
             <a:r>
-              <a:rPr lang="en-US" smtClean="0"/>
+              <a:rPr lang="en-US"/>
               <a:t>Click to edit Master title style</a:t>
             </a:r>
             <a:endParaRPr lang="en-GB"/>
@@ -536,35 +1279,35 @@
           <a:p>
             <a:pPr lvl="0"/>
             <a:r>
-              <a:rPr lang="en-US" smtClean="0"/>
+              <a:rPr lang="en-US"/>
               <a:t>Edit Master text styles</a:t>
             </a:r>
           </a:p>
           <a:p>
             <a:pPr lvl="1"/>
             <a:r>
-              <a:rPr lang="en-US" smtClean="0"/>
+              <a:rPr lang="en-US"/>
               <a:t>Second level</a:t>
             </a:r>
           </a:p>
           <a:p>
             <a:pPr lvl="2"/>
             <a:r>
-              <a:rPr lang="en-US" smtClean="0"/>
+              <a:rPr lang="en-US"/>
               <a:t>Third level</a:t>
             </a:r>
           </a:p>
           <a:p>
             <a:pPr lvl="3"/>
             <a:r>
-              <a:rPr lang="en-US" smtClean="0"/>
+              <a:rPr lang="en-US"/>
               <a:t>Fourth level</a:t>
             </a:r>
           </a:p>
           <a:p>
             <a:pPr lvl="4"/>
             <a:r>
-              <a:rPr lang="en-US" smtClean="0"/>
+              <a:rPr lang="en-US"/>
               <a:t>Fifth level</a:t>
             </a:r>
             <a:endParaRPr lang="en-GB"/>
@@ -588,7 +1331,7 @@
           <a:p>
             <a:fld id="{9C48230E-1023-4AC4-9E7F-DF1B1E336168}" type="datetimeFigureOut">
               <a:rPr lang="en-GB" smtClean="0"/>
-              <a:t>07/12/2017</a:t>
+              <a:t>09/12/2017</a:t>
             </a:fld>
             <a:endParaRPr lang="en-GB"/>
           </a:p>
@@ -682,7 +1425,7 @@
           <a:lstStyle/>
           <a:p>
             <a:r>
-              <a:rPr lang="en-US" smtClean="0"/>
+              <a:rPr lang="en-US"/>
               <a:t>Click to edit Master title style</a:t>
             </a:r>
             <a:endParaRPr lang="en-GB"/>
@@ -706,35 +1449,35 @@
           <a:p>
             <a:pPr lvl="0"/>
             <a:r>
-              <a:rPr lang="en-US" smtClean="0"/>
+              <a:rPr lang="en-US"/>
               <a:t>Edit Master text styles</a:t>
             </a:r>
           </a:p>
           <a:p>
             <a:pPr lvl="1"/>
             <a:r>
-              <a:rPr lang="en-US" smtClean="0"/>
+              <a:rPr lang="en-US"/>
               <a:t>Second level</a:t>
             </a:r>
           </a:p>
           <a:p>
             <a:pPr lvl="2"/>
             <a:r>
-              <a:rPr lang="en-US" smtClean="0"/>
+              <a:rPr lang="en-US"/>
               <a:t>Third level</a:t>
             </a:r>
           </a:p>
           <a:p>
             <a:pPr lvl="3"/>
             <a:r>
-              <a:rPr lang="en-US" smtClean="0"/>
+              <a:rPr lang="en-US"/>
               <a:t>Fourth level</a:t>
             </a:r>
           </a:p>
           <a:p>
             <a:pPr lvl="4"/>
             <a:r>
-              <a:rPr lang="en-US" smtClean="0"/>
+              <a:rPr lang="en-US"/>
               <a:t>Fifth level</a:t>
             </a:r>
             <a:endParaRPr lang="en-GB"/>
@@ -758,7 +1501,7 @@
           <a:p>
             <a:fld id="{9C48230E-1023-4AC4-9E7F-DF1B1E336168}" type="datetimeFigureOut">
               <a:rPr lang="en-GB" smtClean="0"/>
-              <a:t>07/12/2017</a:t>
+              <a:t>09/12/2017</a:t>
             </a:fld>
             <a:endParaRPr lang="en-GB"/>
           </a:p>
@@ -861,7 +1604,7 @@
           </a:lstStyle>
           <a:p>
             <a:r>
-              <a:rPr lang="en-US" smtClean="0"/>
+              <a:rPr lang="en-US"/>
               <a:t>Click to edit Master title style</a:t>
             </a:r>
             <a:endParaRPr lang="en-GB"/>
@@ -981,7 +1724,7 @@
           <a:p>
             <a:pPr lvl="0"/>
             <a:r>
-              <a:rPr lang="en-US" smtClean="0"/>
+              <a:rPr lang="en-US"/>
               <a:t>Edit Master text styles</a:t>
             </a:r>
           </a:p>
@@ -1004,7 +1747,7 @@
           <a:p>
             <a:fld id="{9C48230E-1023-4AC4-9E7F-DF1B1E336168}" type="datetimeFigureOut">
               <a:rPr lang="en-GB" smtClean="0"/>
-              <a:t>07/12/2017</a:t>
+              <a:t>09/12/2017</a:t>
             </a:fld>
             <a:endParaRPr lang="en-GB"/>
           </a:p>
@@ -1098,7 +1841,7 @@
           <a:lstStyle/>
           <a:p>
             <a:r>
-              <a:rPr lang="en-US" smtClean="0"/>
+              <a:rPr lang="en-US"/>
               <a:t>Click to edit Master title style</a:t>
             </a:r>
             <a:endParaRPr lang="en-GB"/>
@@ -1127,35 +1870,35 @@
           <a:p>
             <a:pPr lvl="0"/>
             <a:r>
-              <a:rPr lang="en-US" smtClean="0"/>
+              <a:rPr lang="en-US"/>
               <a:t>Edit Master text styles</a:t>
             </a:r>
           </a:p>
           <a:p>
             <a:pPr lvl="1"/>
             <a:r>
-              <a:rPr lang="en-US" smtClean="0"/>
+              <a:rPr lang="en-US"/>
               <a:t>Second level</a:t>
             </a:r>
           </a:p>
           <a:p>
             <a:pPr lvl="2"/>
             <a:r>
-              <a:rPr lang="en-US" smtClean="0"/>
+              <a:rPr lang="en-US"/>
               <a:t>Third level</a:t>
             </a:r>
           </a:p>
           <a:p>
             <a:pPr lvl="3"/>
             <a:r>
-              <a:rPr lang="en-US" smtClean="0"/>
+              <a:rPr lang="en-US"/>
               <a:t>Fourth level</a:t>
             </a:r>
           </a:p>
           <a:p>
             <a:pPr lvl="4"/>
             <a:r>
-              <a:rPr lang="en-US" smtClean="0"/>
+              <a:rPr lang="en-US"/>
               <a:t>Fifth level</a:t>
             </a:r>
             <a:endParaRPr lang="en-GB"/>
@@ -1184,35 +1927,35 @@
           <a:p>
             <a:pPr lvl="0"/>
             <a:r>
-              <a:rPr lang="en-US" smtClean="0"/>
+              <a:rPr lang="en-US"/>
               <a:t>Edit Master text styles</a:t>
             </a:r>
           </a:p>
           <a:p>
             <a:pPr lvl="1"/>
             <a:r>
-              <a:rPr lang="en-US" smtClean="0"/>
+              <a:rPr lang="en-US"/>
               <a:t>Second level</a:t>
             </a:r>
           </a:p>
           <a:p>
             <a:pPr lvl="2"/>
             <a:r>
-              <a:rPr lang="en-US" smtClean="0"/>
+              <a:rPr lang="en-US"/>
               <a:t>Third level</a:t>
             </a:r>
           </a:p>
           <a:p>
             <a:pPr lvl="3"/>
             <a:r>
-              <a:rPr lang="en-US" smtClean="0"/>
+              <a:rPr lang="en-US"/>
               <a:t>Fourth level</a:t>
             </a:r>
           </a:p>
           <a:p>
             <a:pPr lvl="4"/>
             <a:r>
-              <a:rPr lang="en-US" smtClean="0"/>
+              <a:rPr lang="en-US"/>
               <a:t>Fifth level</a:t>
             </a:r>
             <a:endParaRPr lang="en-GB"/>
@@ -1236,7 +1979,7 @@
           <a:p>
             <a:fld id="{9C48230E-1023-4AC4-9E7F-DF1B1E336168}" type="datetimeFigureOut">
               <a:rPr lang="en-GB" smtClean="0"/>
-              <a:t>07/12/2017</a:t>
+              <a:t>09/12/2017</a:t>
             </a:fld>
             <a:endParaRPr lang="en-GB"/>
           </a:p>
@@ -1335,7 +2078,7 @@
           <a:lstStyle/>
           <a:p>
             <a:r>
-              <a:rPr lang="en-US" smtClean="0"/>
+              <a:rPr lang="en-US"/>
               <a:t>Click to edit Master title style</a:t>
             </a:r>
             <a:endParaRPr lang="en-GB"/>
@@ -1401,7 +2144,7 @@
           <a:p>
             <a:pPr lvl="0"/>
             <a:r>
-              <a:rPr lang="en-US" smtClean="0"/>
+              <a:rPr lang="en-US"/>
               <a:t>Edit Master text styles</a:t>
             </a:r>
           </a:p>
@@ -1429,35 +2172,35 @@
           <a:p>
             <a:pPr lvl="0"/>
             <a:r>
-              <a:rPr lang="en-US" smtClean="0"/>
+              <a:rPr lang="en-US"/>
               <a:t>Edit Master text styles</a:t>
             </a:r>
           </a:p>
           <a:p>
             <a:pPr lvl="1"/>
             <a:r>
-              <a:rPr lang="en-US" smtClean="0"/>
+              <a:rPr lang="en-US"/>
               <a:t>Second level</a:t>
             </a:r>
           </a:p>
           <a:p>
             <a:pPr lvl="2"/>
             <a:r>
-              <a:rPr lang="en-US" smtClean="0"/>
+              <a:rPr lang="en-US"/>
               <a:t>Third level</a:t>
             </a:r>
           </a:p>
           <a:p>
             <a:pPr lvl="3"/>
             <a:r>
-              <a:rPr lang="en-US" smtClean="0"/>
+              <a:rPr lang="en-US"/>
               <a:t>Fourth level</a:t>
             </a:r>
           </a:p>
           <a:p>
             <a:pPr lvl="4"/>
             <a:r>
-              <a:rPr lang="en-US" smtClean="0"/>
+              <a:rPr lang="en-US"/>
               <a:t>Fifth level</a:t>
             </a:r>
             <a:endParaRPr lang="en-GB"/>
@@ -1523,7 +2266,7 @@
           <a:p>
             <a:pPr lvl="0"/>
             <a:r>
-              <a:rPr lang="en-US" smtClean="0"/>
+              <a:rPr lang="en-US"/>
               <a:t>Edit Master text styles</a:t>
             </a:r>
           </a:p>
@@ -1551,35 +2294,35 @@
           <a:p>
             <a:pPr lvl="0"/>
             <a:r>
-              <a:rPr lang="en-US" smtClean="0"/>
+              <a:rPr lang="en-US"/>
               <a:t>Edit Master text styles</a:t>
             </a:r>
           </a:p>
           <a:p>
             <a:pPr lvl="1"/>
             <a:r>
-              <a:rPr lang="en-US" smtClean="0"/>
+              <a:rPr lang="en-US"/>
               <a:t>Second level</a:t>
             </a:r>
           </a:p>
           <a:p>
             <a:pPr lvl="2"/>
             <a:r>
-              <a:rPr lang="en-US" smtClean="0"/>
+              <a:rPr lang="en-US"/>
               <a:t>Third level</a:t>
             </a:r>
           </a:p>
           <a:p>
             <a:pPr lvl="3"/>
             <a:r>
-              <a:rPr lang="en-US" smtClean="0"/>
+              <a:rPr lang="en-US"/>
               <a:t>Fourth level</a:t>
             </a:r>
           </a:p>
           <a:p>
             <a:pPr lvl="4"/>
             <a:r>
-              <a:rPr lang="en-US" smtClean="0"/>
+              <a:rPr lang="en-US"/>
               <a:t>Fifth level</a:t>
             </a:r>
             <a:endParaRPr lang="en-GB"/>
@@ -1603,7 +2346,7 @@
           <a:p>
             <a:fld id="{9C48230E-1023-4AC4-9E7F-DF1B1E336168}" type="datetimeFigureOut">
               <a:rPr lang="en-GB" smtClean="0"/>
-              <a:t>07/12/2017</a:t>
+              <a:t>09/12/2017</a:t>
             </a:fld>
             <a:endParaRPr lang="en-GB"/>
           </a:p>
@@ -1697,7 +2440,7 @@
           <a:lstStyle/>
           <a:p>
             <a:r>
-              <a:rPr lang="en-US" smtClean="0"/>
+              <a:rPr lang="en-US"/>
               <a:t>Click to edit Master title style</a:t>
             </a:r>
             <a:endParaRPr lang="en-GB"/>
@@ -1721,7 +2464,7 @@
           <a:p>
             <a:fld id="{9C48230E-1023-4AC4-9E7F-DF1B1E336168}" type="datetimeFigureOut">
               <a:rPr lang="en-GB" smtClean="0"/>
-              <a:t>07/12/2017</a:t>
+              <a:t>09/12/2017</a:t>
             </a:fld>
             <a:endParaRPr lang="en-GB"/>
           </a:p>
@@ -1816,7 +2559,7 @@
           <a:p>
             <a:fld id="{9C48230E-1023-4AC4-9E7F-DF1B1E336168}" type="datetimeFigureOut">
               <a:rPr lang="en-GB" smtClean="0"/>
-              <a:t>07/12/2017</a:t>
+              <a:t>09/12/2017</a:t>
             </a:fld>
             <a:endParaRPr lang="en-GB"/>
           </a:p>
@@ -1919,7 +2662,7 @@
           </a:lstStyle>
           <a:p>
             <a:r>
-              <a:rPr lang="en-US" smtClean="0"/>
+              <a:rPr lang="en-US"/>
               <a:t>Click to edit Master title style</a:t>
             </a:r>
             <a:endParaRPr lang="en-GB"/>
@@ -1976,35 +2719,35 @@
           <a:p>
             <a:pPr lvl="0"/>
             <a:r>
-              <a:rPr lang="en-US" smtClean="0"/>
+              <a:rPr lang="en-US"/>
               <a:t>Edit Master text styles</a:t>
             </a:r>
           </a:p>
           <a:p>
             <a:pPr lvl="1"/>
             <a:r>
-              <a:rPr lang="en-US" smtClean="0"/>
+              <a:rPr lang="en-US"/>
               <a:t>Second level</a:t>
             </a:r>
           </a:p>
           <a:p>
             <a:pPr lvl="2"/>
             <a:r>
-              <a:rPr lang="en-US" smtClean="0"/>
+              <a:rPr lang="en-US"/>
               <a:t>Third level</a:t>
             </a:r>
           </a:p>
           <a:p>
             <a:pPr lvl="3"/>
             <a:r>
-              <a:rPr lang="en-US" smtClean="0"/>
+              <a:rPr lang="en-US"/>
               <a:t>Fourth level</a:t>
             </a:r>
           </a:p>
           <a:p>
             <a:pPr lvl="4"/>
             <a:r>
-              <a:rPr lang="en-US" smtClean="0"/>
+              <a:rPr lang="en-US"/>
               <a:t>Fifth level</a:t>
             </a:r>
             <a:endParaRPr lang="en-GB"/>
@@ -2070,7 +2813,7 @@
           <a:p>
             <a:pPr lvl="0"/>
             <a:r>
-              <a:rPr lang="en-US" smtClean="0"/>
+              <a:rPr lang="en-US"/>
               <a:t>Edit Master text styles</a:t>
             </a:r>
           </a:p>
@@ -2093,7 +2836,7 @@
           <a:p>
             <a:fld id="{9C48230E-1023-4AC4-9E7F-DF1B1E336168}" type="datetimeFigureOut">
               <a:rPr lang="en-GB" smtClean="0"/>
-              <a:t>07/12/2017</a:t>
+              <a:t>09/12/2017</a:t>
             </a:fld>
             <a:endParaRPr lang="en-GB"/>
           </a:p>
@@ -2196,7 +2939,7 @@
           </a:lstStyle>
           <a:p>
             <a:r>
-              <a:rPr lang="en-US" smtClean="0"/>
+              <a:rPr lang="en-US"/>
               <a:t>Click to edit Master title style</a:t>
             </a:r>
             <a:endParaRPr lang="en-GB"/>
@@ -2323,7 +3066,7 @@
           <a:p>
             <a:pPr lvl="0"/>
             <a:r>
-              <a:rPr lang="en-US" smtClean="0"/>
+              <a:rPr lang="en-US"/>
               <a:t>Edit Master text styles</a:t>
             </a:r>
           </a:p>
@@ -2346,7 +3089,7 @@
           <a:p>
             <a:fld id="{9C48230E-1023-4AC4-9E7F-DF1B1E336168}" type="datetimeFigureOut">
               <a:rPr lang="en-GB" smtClean="0"/>
-              <a:t>07/12/2017</a:t>
+              <a:t>09/12/2017</a:t>
             </a:fld>
             <a:endParaRPr lang="en-GB"/>
           </a:p>
@@ -2455,7 +3198,7 @@
           <a:lstStyle/>
           <a:p>
             <a:r>
-              <a:rPr lang="en-US" smtClean="0"/>
+              <a:rPr lang="en-US"/>
               <a:t>Click to edit Master title style</a:t>
             </a:r>
             <a:endParaRPr lang="en-GB"/>
@@ -2489,35 +3232,35 @@
           <a:p>
             <a:pPr lvl="0"/>
             <a:r>
-              <a:rPr lang="en-US" smtClean="0"/>
+              <a:rPr lang="en-US"/>
               <a:t>Edit Master text styles</a:t>
             </a:r>
           </a:p>
           <a:p>
             <a:pPr lvl="1"/>
             <a:r>
-              <a:rPr lang="en-US" smtClean="0"/>
+              <a:rPr lang="en-US"/>
               <a:t>Second level</a:t>
             </a:r>
           </a:p>
           <a:p>
             <a:pPr lvl="2"/>
             <a:r>
-              <a:rPr lang="en-US" smtClean="0"/>
+              <a:rPr lang="en-US"/>
               <a:t>Third level</a:t>
             </a:r>
           </a:p>
           <a:p>
             <a:pPr lvl="3"/>
             <a:r>
-              <a:rPr lang="en-US" smtClean="0"/>
+              <a:rPr lang="en-US"/>
               <a:t>Fourth level</a:t>
             </a:r>
           </a:p>
           <a:p>
             <a:pPr lvl="4"/>
             <a:r>
-              <a:rPr lang="en-US" smtClean="0"/>
+              <a:rPr lang="en-US"/>
               <a:t>Fifth level</a:t>
             </a:r>
             <a:endParaRPr lang="en-GB"/>
@@ -2559,7 +3302,7 @@
           <a:p>
             <a:fld id="{9C48230E-1023-4AC4-9E7F-DF1B1E336168}" type="datetimeFigureOut">
               <a:rPr lang="en-GB" smtClean="0"/>
-              <a:t>07/12/2017</a:t>
+              <a:t>09/12/2017</a:t>
             </a:fld>
             <a:endParaRPr lang="en-GB"/>
           </a:p>
@@ -2964,6 +3707,35 @@
           <a:chExt cx="0" cy="0"/>
         </a:xfrm>
       </p:grpSpPr>
+      <p:pic>
+        <p:nvPicPr>
+          <p:cNvPr id="4" name="Picture 3">
+            <a:extLst>
+              <a:ext uri="{FF2B5EF4-FFF2-40B4-BE49-F238E27FC236}">
+                <a16:creationId xmlns:a16="http://schemas.microsoft.com/office/drawing/2014/main" id="{400D4AAC-2233-4F96-BAAB-8FCD07C82290}"/>
+              </a:ext>
+            </a:extLst>
+          </p:cNvPr>
+          <p:cNvPicPr>
+            <a:picLocks noChangeAspect="1"/>
+          </p:cNvPicPr>
+          <p:nvPr/>
+        </p:nvPicPr>
+        <p:blipFill rotWithShape="1">
+          <a:blip r:embed="rId3"/>
+          <a:srcRect l="388" t="4959" r="58215" b="17420"/>
+          <a:stretch/>
+        </p:blipFill>
+        <p:spPr>
+          <a:xfrm>
+            <a:off x="0" y="1"/>
+            <a:ext cx="12192000" cy="6858000"/>
+          </a:xfrm>
+          <a:prstGeom prst="rect">
+            <a:avLst/>
+          </a:prstGeom>
+        </p:spPr>
+      </p:pic>
       <p:sp>
         <p:nvSpPr>
           <p:cNvPr id="2" name="Title 1"/>
@@ -2987,21 +3759,43 @@
           <a:lstStyle/>
           <a:p>
             <a:r>
-              <a:rPr lang="en-GB" sz="4800" dirty="0" smtClean="0"/>
+              <a:rPr lang="en-GB" sz="4800" b="1" dirty="0">
+                <a:ln>
+                  <a:solidFill>
+                    <a:sysClr val="windowText" lastClr="000000"/>
+                  </a:solidFill>
+                </a:ln>
+                <a:solidFill>
+                  <a:schemeClr val="bg1"/>
+                </a:solidFill>
+              </a:rPr>
               <a:t>NIE2211 – Computer Games Programming 2</a:t>
             </a:r>
             <a:br>
-              <a:rPr lang="en-GB" sz="4800" dirty="0" smtClean="0"/>
+              <a:rPr lang="en-GB" sz="4800" b="1" dirty="0">
+                <a:ln>
+                  <a:solidFill>
+                    <a:sysClr val="windowText" lastClr="000000"/>
+                  </a:solidFill>
+                </a:ln>
+                <a:solidFill>
+                  <a:schemeClr val="bg1"/>
+                </a:solidFill>
+              </a:rPr>
             </a:br>
             <a:r>
-              <a:rPr lang="en-GB" sz="4800" dirty="0" smtClean="0"/>
-              <a:t>Semester </a:t>
-            </a:r>
-            <a:r>
-              <a:rPr lang="en-GB" sz="4800" smtClean="0"/>
-              <a:t>1 Assessment</a:t>
-            </a:r>
-            <a:endParaRPr lang="en-GB" sz="4800" dirty="0"/>
+              <a:rPr lang="en-GB" sz="4800" b="1" dirty="0">
+                <a:ln>
+                  <a:solidFill>
+                    <a:sysClr val="windowText" lastClr="000000"/>
+                  </a:solidFill>
+                </a:ln>
+                <a:solidFill>
+                  <a:schemeClr val="bg1"/>
+                </a:solidFill>
+              </a:rPr>
+              <a:t>Semester 1 Assessment</a:t>
+            </a:r>
           </a:p>
         </p:txBody>
       </p:sp>
@@ -3021,10 +3815,18 @@
           <a:lstStyle/>
           <a:p>
             <a:r>
-              <a:rPr lang="en-GB" dirty="0" smtClean="0"/>
+              <a:rPr lang="en-GB" b="1" dirty="0">
+                <a:ln>
+                  <a:solidFill>
+                    <a:sysClr val="windowText" lastClr="000000"/>
+                  </a:solidFill>
+                </a:ln>
+                <a:solidFill>
+                  <a:schemeClr val="bg1"/>
+                </a:solidFill>
+              </a:rPr>
               <a:t>By Oliver Sheard</a:t>
             </a:r>
-            <a:endParaRPr lang="en-GB" dirty="0"/>
           </a:p>
         </p:txBody>
       </p:sp>
@@ -3032,6 +3834,1921 @@
     <p:extLst>
       <p:ext uri="{BB962C8B-B14F-4D97-AF65-F5344CB8AC3E}">
         <p14:creationId xmlns:p14="http://schemas.microsoft.com/office/powerpoint/2010/main" val="1317762110"/>
+      </p:ext>
+    </p:extLst>
+  </p:cSld>
+  <p:clrMapOvr>
+    <a:masterClrMapping/>
+  </p:clrMapOvr>
+</p:sld>
+</file>
+
+<file path=ppt/slides/slide2.xml><?xml version="1.0" encoding="utf-8"?>
+<p:sld xmlns:a="http://schemas.openxmlformats.org/drawingml/2006/main" xmlns:r="http://schemas.openxmlformats.org/officeDocument/2006/relationships" xmlns:p="http://schemas.openxmlformats.org/presentationml/2006/main">
+  <p:cSld>
+    <p:spTree>
+      <p:nvGrpSpPr>
+        <p:cNvPr id="1" name=""/>
+        <p:cNvGrpSpPr/>
+        <p:nvPr/>
+      </p:nvGrpSpPr>
+      <p:grpSpPr>
+        <a:xfrm>
+          <a:off x="0" y="0"/>
+          <a:ext cx="0" cy="0"/>
+          <a:chOff x="0" y="0"/>
+          <a:chExt cx="0" cy="0"/>
+        </a:xfrm>
+      </p:grpSpPr>
+      <p:pic>
+        <p:nvPicPr>
+          <p:cNvPr id="37" name="Picture 36">
+            <a:extLst>
+              <a:ext uri="{FF2B5EF4-FFF2-40B4-BE49-F238E27FC236}">
+                <a16:creationId xmlns:a16="http://schemas.microsoft.com/office/drawing/2014/main" id="{04AA53D1-6B27-41EC-BE2D-593A61FD261E}"/>
+              </a:ext>
+            </a:extLst>
+          </p:cNvPr>
+          <p:cNvPicPr>
+            <a:picLocks noChangeAspect="1"/>
+          </p:cNvPicPr>
+          <p:nvPr/>
+        </p:nvPicPr>
+        <p:blipFill rotWithShape="1">
+          <a:blip r:embed="rId3"/>
+          <a:srcRect l="388" t="4959" r="58215" b="17420"/>
+          <a:stretch/>
+        </p:blipFill>
+        <p:spPr>
+          <a:xfrm>
+            <a:off x="0" y="1502"/>
+            <a:ext cx="12192000" cy="6858000"/>
+          </a:xfrm>
+          <a:prstGeom prst="rect">
+            <a:avLst/>
+          </a:prstGeom>
+        </p:spPr>
+      </p:pic>
+      <p:sp>
+        <p:nvSpPr>
+          <p:cNvPr id="2" name="Title 1">
+            <a:extLst>
+              <a:ext uri="{FF2B5EF4-FFF2-40B4-BE49-F238E27FC236}">
+                <a16:creationId xmlns:a16="http://schemas.microsoft.com/office/drawing/2014/main" id="{A6B6EF6A-8B06-48E0-9F93-09909A0174EA}"/>
+              </a:ext>
+            </a:extLst>
+          </p:cNvPr>
+          <p:cNvSpPr>
+            <a:spLocks noGrp="1"/>
+          </p:cNvSpPr>
+          <p:nvPr>
+            <p:ph type="title"/>
+          </p:nvPr>
+        </p:nvSpPr>
+        <p:spPr/>
+        <p:txBody>
+          <a:bodyPr/>
+          <a:lstStyle/>
+          <a:p>
+            <a:r>
+              <a:rPr lang="en-GB" b="1" dirty="0">
+                <a:ln>
+                  <a:solidFill>
+                    <a:schemeClr val="tx1"/>
+                  </a:solidFill>
+                </a:ln>
+                <a:solidFill>
+                  <a:schemeClr val="bg1"/>
+                </a:solidFill>
+              </a:rPr>
+              <a:t>Texturing the </a:t>
+            </a:r>
+            <a:r>
+              <a:rPr lang="en-GB" b="1" dirty="0" err="1">
+                <a:ln>
+                  <a:solidFill>
+                    <a:schemeClr val="tx1"/>
+                  </a:solidFill>
+                </a:ln>
+                <a:solidFill>
+                  <a:schemeClr val="bg1"/>
+                </a:solidFill>
+              </a:rPr>
+              <a:t>skysphere</a:t>
+            </a:r>
+            <a:endParaRPr lang="en-GB" b="1" dirty="0">
+              <a:ln>
+                <a:solidFill>
+                  <a:schemeClr val="tx1"/>
+                </a:solidFill>
+              </a:ln>
+              <a:solidFill>
+                <a:schemeClr val="bg1"/>
+              </a:solidFill>
+            </a:endParaRPr>
+          </a:p>
+        </p:txBody>
+      </p:sp>
+      <p:grpSp>
+        <p:nvGrpSpPr>
+          <p:cNvPr id="53" name="Group 52">
+            <a:extLst>
+              <a:ext uri="{FF2B5EF4-FFF2-40B4-BE49-F238E27FC236}">
+                <a16:creationId xmlns:a16="http://schemas.microsoft.com/office/drawing/2014/main" id="{B44F1A32-F20E-41E9-88B2-EF181601B0AD}"/>
+              </a:ext>
+            </a:extLst>
+          </p:cNvPr>
+          <p:cNvGrpSpPr/>
+          <p:nvPr/>
+        </p:nvGrpSpPr>
+        <p:grpSpPr>
+          <a:xfrm>
+            <a:off x="995680" y="3421624"/>
+            <a:ext cx="3576320" cy="2343468"/>
+            <a:chOff x="995680" y="2055812"/>
+            <a:chExt cx="3576320" cy="2343468"/>
+          </a:xfrm>
+        </p:grpSpPr>
+        <p:sp>
+          <p:nvSpPr>
+            <p:cNvPr id="3" name="Isosceles Triangle 2">
+              <a:extLst>
+                <a:ext uri="{FF2B5EF4-FFF2-40B4-BE49-F238E27FC236}">
+                  <a16:creationId xmlns:a16="http://schemas.microsoft.com/office/drawing/2014/main" id="{9316E91D-796C-4335-A0DD-8FD0345CF991}"/>
+                </a:ext>
+              </a:extLst>
+            </p:cNvPr>
+            <p:cNvSpPr/>
+            <p:nvPr/>
+          </p:nvSpPr>
+          <p:spPr>
+            <a:xfrm>
+              <a:off x="995680" y="2055812"/>
+              <a:ext cx="1001776" cy="863600"/>
+            </a:xfrm>
+            <a:prstGeom prst="triangle">
+              <a:avLst/>
+            </a:prstGeom>
+            <a:blipFill>
+              <a:blip r:embed="rId4"/>
+              <a:tile tx="0" ty="0" sx="100000" sy="100000" flip="none" algn="tl"/>
+            </a:blipFill>
+            <a:ln w="3175">
+              <a:solidFill>
+                <a:schemeClr val="bg1"/>
+              </a:solidFill>
+            </a:ln>
+          </p:spPr>
+          <p:style>
+            <a:lnRef idx="2">
+              <a:schemeClr val="accent1">
+                <a:shade val="50000"/>
+              </a:schemeClr>
+            </a:lnRef>
+            <a:fillRef idx="1">
+              <a:schemeClr val="accent1"/>
+            </a:fillRef>
+            <a:effectRef idx="0">
+              <a:schemeClr val="accent1"/>
+            </a:effectRef>
+            <a:fontRef idx="minor">
+              <a:schemeClr val="lt1"/>
+            </a:fontRef>
+          </p:style>
+          <p:txBody>
+            <a:bodyPr rtlCol="0" anchor="ctr"/>
+            <a:lstStyle/>
+            <a:p>
+              <a:pPr algn="ctr"/>
+              <a:endParaRPr lang="en-GB"/>
+            </a:p>
+          </p:txBody>
+        </p:sp>
+        <p:sp>
+          <p:nvSpPr>
+            <p:cNvPr id="4" name="Oval 3">
+              <a:extLst>
+                <a:ext uri="{FF2B5EF4-FFF2-40B4-BE49-F238E27FC236}">
+                  <a16:creationId xmlns:a16="http://schemas.microsoft.com/office/drawing/2014/main" id="{CA1E190F-68C0-4176-BD4B-6B2F4116EAD7}"/>
+                </a:ext>
+              </a:extLst>
+            </p:cNvPr>
+            <p:cNvSpPr/>
+            <p:nvPr/>
+          </p:nvSpPr>
+          <p:spPr>
+            <a:xfrm>
+              <a:off x="2438400" y="2265680"/>
+              <a:ext cx="2133600" cy="2133600"/>
+            </a:xfrm>
+            <a:prstGeom prst="ellipse">
+              <a:avLst/>
+            </a:prstGeom>
+            <a:solidFill>
+              <a:schemeClr val="tx1"/>
+            </a:solidFill>
+            <a:ln>
+              <a:solidFill>
+                <a:schemeClr val="bg1"/>
+              </a:solidFill>
+            </a:ln>
+          </p:spPr>
+          <p:style>
+            <a:lnRef idx="2">
+              <a:schemeClr val="accent1">
+                <a:shade val="50000"/>
+              </a:schemeClr>
+            </a:lnRef>
+            <a:fillRef idx="1">
+              <a:schemeClr val="accent1"/>
+            </a:fillRef>
+            <a:effectRef idx="0">
+              <a:schemeClr val="accent1"/>
+            </a:effectRef>
+            <a:fontRef idx="minor">
+              <a:schemeClr val="lt1"/>
+            </a:fontRef>
+          </p:style>
+          <p:txBody>
+            <a:bodyPr rtlCol="0" anchor="ctr"/>
+            <a:lstStyle/>
+            <a:p>
+              <a:pPr algn="ctr"/>
+              <a:endParaRPr lang="en-GB"/>
+            </a:p>
+          </p:txBody>
+        </p:sp>
+        <p:sp>
+          <p:nvSpPr>
+            <p:cNvPr id="20" name="Isosceles Triangle 19">
+              <a:extLst>
+                <a:ext uri="{FF2B5EF4-FFF2-40B4-BE49-F238E27FC236}">
+                  <a16:creationId xmlns:a16="http://schemas.microsoft.com/office/drawing/2014/main" id="{CBD0CB55-26F2-4A69-BB42-54C233BC5B03}"/>
+                </a:ext>
+              </a:extLst>
+            </p:cNvPr>
+            <p:cNvSpPr/>
+            <p:nvPr/>
+          </p:nvSpPr>
+          <p:spPr>
+            <a:xfrm>
+              <a:off x="2763520" y="3076716"/>
+              <a:ext cx="182880" cy="157655"/>
+            </a:xfrm>
+            <a:prstGeom prst="triangle">
+              <a:avLst/>
+            </a:prstGeom>
+            <a:blipFill>
+              <a:blip r:embed="rId4"/>
+              <a:tile tx="0" ty="0" sx="100000" sy="100000" flip="none" algn="tl"/>
+            </a:blipFill>
+            <a:ln w="3175">
+              <a:solidFill>
+                <a:schemeClr val="bg1"/>
+              </a:solidFill>
+            </a:ln>
+          </p:spPr>
+          <p:style>
+            <a:lnRef idx="2">
+              <a:schemeClr val="accent1">
+                <a:shade val="50000"/>
+              </a:schemeClr>
+            </a:lnRef>
+            <a:fillRef idx="1">
+              <a:schemeClr val="accent1"/>
+            </a:fillRef>
+            <a:effectRef idx="0">
+              <a:schemeClr val="accent1"/>
+            </a:effectRef>
+            <a:fontRef idx="minor">
+              <a:schemeClr val="lt1"/>
+            </a:fontRef>
+          </p:style>
+          <p:txBody>
+            <a:bodyPr rtlCol="0" anchor="ctr"/>
+            <a:lstStyle/>
+            <a:p>
+              <a:pPr algn="ctr"/>
+              <a:endParaRPr lang="en-GB"/>
+            </a:p>
+          </p:txBody>
+        </p:sp>
+        <p:cxnSp>
+          <p:nvCxnSpPr>
+            <p:cNvPr id="6" name="Straight Arrow Connector 5">
+              <a:extLst>
+                <a:ext uri="{FF2B5EF4-FFF2-40B4-BE49-F238E27FC236}">
+                  <a16:creationId xmlns:a16="http://schemas.microsoft.com/office/drawing/2014/main" id="{2DE8F35E-225C-4571-9CB7-C6EA529944F2}"/>
+                </a:ext>
+              </a:extLst>
+            </p:cNvPr>
+            <p:cNvCxnSpPr>
+              <a:stCxn id="3" idx="0"/>
+              <a:endCxn id="20" idx="0"/>
+            </p:cNvCxnSpPr>
+            <p:nvPr/>
+          </p:nvCxnSpPr>
+          <p:spPr>
+            <a:xfrm>
+              <a:off x="1496568" y="2055812"/>
+              <a:ext cx="1358392" cy="1020904"/>
+            </a:xfrm>
+            <a:prstGeom prst="straightConnector1">
+              <a:avLst/>
+            </a:prstGeom>
+            <a:ln w="19050">
+              <a:solidFill>
+                <a:srgbClr val="0070C0"/>
+              </a:solidFill>
+              <a:tailEnd type="triangle"/>
+            </a:ln>
+          </p:spPr>
+          <p:style>
+            <a:lnRef idx="1">
+              <a:schemeClr val="accent1"/>
+            </a:lnRef>
+            <a:fillRef idx="0">
+              <a:schemeClr val="accent1"/>
+            </a:fillRef>
+            <a:effectRef idx="0">
+              <a:schemeClr val="accent1"/>
+            </a:effectRef>
+            <a:fontRef idx="minor">
+              <a:schemeClr val="tx1"/>
+            </a:fontRef>
+          </p:style>
+        </p:cxnSp>
+        <p:cxnSp>
+          <p:nvCxnSpPr>
+            <p:cNvPr id="28" name="Straight Arrow Connector 27">
+              <a:extLst>
+                <a:ext uri="{FF2B5EF4-FFF2-40B4-BE49-F238E27FC236}">
+                  <a16:creationId xmlns:a16="http://schemas.microsoft.com/office/drawing/2014/main" id="{AE8DF328-5E83-4EEB-BEF5-982005B59158}"/>
+                </a:ext>
+              </a:extLst>
+            </p:cNvPr>
+            <p:cNvCxnSpPr>
+              <a:cxnSpLocks/>
+              <a:stCxn id="3" idx="2"/>
+              <a:endCxn id="20" idx="2"/>
+            </p:cNvCxnSpPr>
+            <p:nvPr/>
+          </p:nvCxnSpPr>
+          <p:spPr>
+            <a:xfrm>
+              <a:off x="995680" y="2919412"/>
+              <a:ext cx="1767840" cy="314959"/>
+            </a:xfrm>
+            <a:prstGeom prst="straightConnector1">
+              <a:avLst/>
+            </a:prstGeom>
+            <a:ln w="19050">
+              <a:solidFill>
+                <a:srgbClr val="00B050"/>
+              </a:solidFill>
+              <a:tailEnd type="triangle"/>
+            </a:ln>
+          </p:spPr>
+          <p:style>
+            <a:lnRef idx="1">
+              <a:schemeClr val="accent1"/>
+            </a:lnRef>
+            <a:fillRef idx="0">
+              <a:schemeClr val="accent1"/>
+            </a:fillRef>
+            <a:effectRef idx="0">
+              <a:schemeClr val="accent1"/>
+            </a:effectRef>
+            <a:fontRef idx="minor">
+              <a:schemeClr val="tx1"/>
+            </a:fontRef>
+          </p:style>
+        </p:cxnSp>
+        <p:cxnSp>
+          <p:nvCxnSpPr>
+            <p:cNvPr id="48" name="Straight Arrow Connector 47">
+              <a:extLst>
+                <a:ext uri="{FF2B5EF4-FFF2-40B4-BE49-F238E27FC236}">
+                  <a16:creationId xmlns:a16="http://schemas.microsoft.com/office/drawing/2014/main" id="{DDC00DD5-9E2D-43AA-B112-2359AC7FC0D2}"/>
+                </a:ext>
+              </a:extLst>
+            </p:cNvPr>
+            <p:cNvCxnSpPr>
+              <a:cxnSpLocks/>
+            </p:cNvCxnSpPr>
+            <p:nvPr/>
+          </p:nvCxnSpPr>
+          <p:spPr>
+            <a:xfrm flipH="1" flipV="1">
+              <a:off x="2661920" y="3089732"/>
+              <a:ext cx="182880" cy="88431"/>
+            </a:xfrm>
+            <a:prstGeom prst="straightConnector1">
+              <a:avLst/>
+            </a:prstGeom>
+            <a:ln w="19050">
+              <a:solidFill>
+                <a:schemeClr val="bg1"/>
+              </a:solidFill>
+              <a:tailEnd type="triangle"/>
+            </a:ln>
+          </p:spPr>
+          <p:style>
+            <a:lnRef idx="1">
+              <a:schemeClr val="accent1"/>
+            </a:lnRef>
+            <a:fillRef idx="0">
+              <a:schemeClr val="accent1"/>
+            </a:fillRef>
+            <a:effectRef idx="0">
+              <a:schemeClr val="accent1"/>
+            </a:effectRef>
+            <a:fontRef idx="minor">
+              <a:schemeClr val="tx1"/>
+            </a:fontRef>
+          </p:style>
+        </p:cxnSp>
+        <p:cxnSp>
+          <p:nvCxnSpPr>
+            <p:cNvPr id="27" name="Straight Arrow Connector 26">
+              <a:extLst>
+                <a:ext uri="{FF2B5EF4-FFF2-40B4-BE49-F238E27FC236}">
+                  <a16:creationId xmlns:a16="http://schemas.microsoft.com/office/drawing/2014/main" id="{6C77D5F4-9D49-4CDC-BAEE-2A9C378D50CF}"/>
+                </a:ext>
+              </a:extLst>
+            </p:cNvPr>
+            <p:cNvCxnSpPr>
+              <a:cxnSpLocks/>
+              <a:stCxn id="3" idx="4"/>
+            </p:cNvCxnSpPr>
+            <p:nvPr/>
+          </p:nvCxnSpPr>
+          <p:spPr>
+            <a:xfrm>
+              <a:off x="1997456" y="2919412"/>
+              <a:ext cx="948944" cy="314959"/>
+            </a:xfrm>
+            <a:prstGeom prst="straightConnector1">
+              <a:avLst/>
+            </a:prstGeom>
+            <a:ln w="19050">
+              <a:solidFill>
+                <a:srgbClr val="FF0000"/>
+              </a:solidFill>
+              <a:tailEnd type="triangle"/>
+            </a:ln>
+          </p:spPr>
+          <p:style>
+            <a:lnRef idx="1">
+              <a:schemeClr val="accent1"/>
+            </a:lnRef>
+            <a:fillRef idx="0">
+              <a:schemeClr val="accent1"/>
+            </a:fillRef>
+            <a:effectRef idx="0">
+              <a:schemeClr val="accent1"/>
+            </a:effectRef>
+            <a:fontRef idx="minor">
+              <a:schemeClr val="tx1"/>
+            </a:fontRef>
+          </p:style>
+        </p:cxnSp>
+      </p:grpSp>
+      <p:sp>
+        <p:nvSpPr>
+          <p:cNvPr id="24" name="Oval 23">
+            <a:extLst>
+              <a:ext uri="{FF2B5EF4-FFF2-40B4-BE49-F238E27FC236}">
+                <a16:creationId xmlns:a16="http://schemas.microsoft.com/office/drawing/2014/main" id="{B299F8C7-C353-49D6-87DA-D9D4E92CBC95}"/>
+              </a:ext>
+            </a:extLst>
+          </p:cNvPr>
+          <p:cNvSpPr/>
+          <p:nvPr/>
+        </p:nvSpPr>
+        <p:spPr>
+          <a:xfrm>
+            <a:off x="8060944" y="3631492"/>
+            <a:ext cx="2133600" cy="2133600"/>
+          </a:xfrm>
+          <a:prstGeom prst="ellipse">
+            <a:avLst/>
+          </a:prstGeom>
+          <a:solidFill>
+            <a:schemeClr val="tx1"/>
+          </a:solidFill>
+          <a:ln>
+            <a:solidFill>
+              <a:schemeClr val="bg1"/>
+            </a:solidFill>
+          </a:ln>
+        </p:spPr>
+        <p:style>
+          <a:lnRef idx="2">
+            <a:schemeClr val="accent1">
+              <a:shade val="50000"/>
+            </a:schemeClr>
+          </a:lnRef>
+          <a:fillRef idx="1">
+            <a:schemeClr val="accent1"/>
+          </a:fillRef>
+          <a:effectRef idx="0">
+            <a:schemeClr val="accent1"/>
+          </a:effectRef>
+          <a:fontRef idx="minor">
+            <a:schemeClr val="lt1"/>
+          </a:fontRef>
+        </p:style>
+        <p:txBody>
+          <a:bodyPr rtlCol="0" anchor="ctr"/>
+          <a:lstStyle/>
+          <a:p>
+            <a:pPr algn="ctr"/>
+            <a:endParaRPr lang="en-GB" dirty="0"/>
+          </a:p>
+        </p:txBody>
+      </p:sp>
+      <p:cxnSp>
+        <p:nvCxnSpPr>
+          <p:cNvPr id="45" name="Straight Arrow Connector 44">
+            <a:extLst>
+              <a:ext uri="{FF2B5EF4-FFF2-40B4-BE49-F238E27FC236}">
+                <a16:creationId xmlns:a16="http://schemas.microsoft.com/office/drawing/2014/main" id="{249F9DBF-7F36-4EA8-8781-192A83874E8A}"/>
+              </a:ext>
+            </a:extLst>
+          </p:cNvPr>
+          <p:cNvCxnSpPr>
+            <a:cxnSpLocks/>
+            <a:endCxn id="26" idx="2"/>
+          </p:cNvCxnSpPr>
+          <p:nvPr/>
+        </p:nvCxnSpPr>
+        <p:spPr>
+          <a:xfrm>
+            <a:off x="8396224" y="4600183"/>
+            <a:ext cx="1513840" cy="441785"/>
+          </a:xfrm>
+          <a:prstGeom prst="straightConnector1">
+            <a:avLst/>
+          </a:prstGeom>
+          <a:ln w="19050">
+            <a:solidFill>
+              <a:srgbClr val="00B050"/>
+            </a:solidFill>
+            <a:tailEnd type="triangle"/>
+          </a:ln>
+        </p:spPr>
+        <p:style>
+          <a:lnRef idx="1">
+            <a:schemeClr val="accent1"/>
+          </a:lnRef>
+          <a:fillRef idx="0">
+            <a:schemeClr val="accent1"/>
+          </a:fillRef>
+          <a:effectRef idx="0">
+            <a:schemeClr val="accent1"/>
+          </a:effectRef>
+          <a:fontRef idx="minor">
+            <a:schemeClr val="tx1"/>
+          </a:fontRef>
+        </p:style>
+      </p:cxnSp>
+      <p:sp>
+        <p:nvSpPr>
+          <p:cNvPr id="25" name="Isosceles Triangle 24">
+            <a:extLst>
+              <a:ext uri="{FF2B5EF4-FFF2-40B4-BE49-F238E27FC236}">
+                <a16:creationId xmlns:a16="http://schemas.microsoft.com/office/drawing/2014/main" id="{F8D3C173-D22A-4977-80D7-CD2141E09CBB}"/>
+              </a:ext>
+            </a:extLst>
+          </p:cNvPr>
+          <p:cNvSpPr/>
+          <p:nvPr/>
+        </p:nvSpPr>
+        <p:spPr>
+          <a:xfrm>
+            <a:off x="8386064" y="4442528"/>
+            <a:ext cx="182880" cy="157655"/>
+          </a:xfrm>
+          <a:prstGeom prst="triangle">
+            <a:avLst/>
+          </a:prstGeom>
+          <a:blipFill>
+            <a:blip r:embed="rId4"/>
+            <a:tile tx="0" ty="0" sx="100000" sy="100000" flip="none" algn="tl"/>
+          </a:blipFill>
+          <a:ln w="3175">
+            <a:solidFill>
+              <a:schemeClr val="bg1"/>
+            </a:solidFill>
+          </a:ln>
+        </p:spPr>
+        <p:style>
+          <a:lnRef idx="2">
+            <a:schemeClr val="accent1">
+              <a:shade val="50000"/>
+            </a:schemeClr>
+          </a:lnRef>
+          <a:fillRef idx="1">
+            <a:schemeClr val="accent1"/>
+          </a:fillRef>
+          <a:effectRef idx="0">
+            <a:schemeClr val="accent1"/>
+          </a:effectRef>
+          <a:fontRef idx="minor">
+            <a:schemeClr val="lt1"/>
+          </a:fontRef>
+        </p:style>
+        <p:txBody>
+          <a:bodyPr rtlCol="0" anchor="ctr"/>
+          <a:lstStyle/>
+          <a:p>
+            <a:pPr algn="ctr"/>
+            <a:endParaRPr lang="en-GB"/>
+          </a:p>
+        </p:txBody>
+      </p:sp>
+      <p:cxnSp>
+        <p:nvCxnSpPr>
+          <p:cNvPr id="39" name="Straight Arrow Connector 38">
+            <a:extLst>
+              <a:ext uri="{FF2B5EF4-FFF2-40B4-BE49-F238E27FC236}">
+                <a16:creationId xmlns:a16="http://schemas.microsoft.com/office/drawing/2014/main" id="{39DCF000-E824-4214-BD73-A89CF8BAABD4}"/>
+              </a:ext>
+            </a:extLst>
+          </p:cNvPr>
+          <p:cNvCxnSpPr>
+            <a:cxnSpLocks/>
+            <a:stCxn id="25" idx="0"/>
+          </p:cNvCxnSpPr>
+          <p:nvPr/>
+        </p:nvCxnSpPr>
+        <p:spPr>
+          <a:xfrm>
+            <a:off x="8477504" y="4442528"/>
+            <a:ext cx="1351280" cy="757095"/>
+          </a:xfrm>
+          <a:prstGeom prst="straightConnector1">
+            <a:avLst/>
+          </a:prstGeom>
+          <a:ln>
+            <a:tailEnd type="triangle"/>
+          </a:ln>
+        </p:spPr>
+        <p:style>
+          <a:lnRef idx="2">
+            <a:schemeClr val="accent5"/>
+          </a:lnRef>
+          <a:fillRef idx="0">
+            <a:schemeClr val="accent5"/>
+          </a:fillRef>
+          <a:effectRef idx="1">
+            <a:schemeClr val="accent5"/>
+          </a:effectRef>
+          <a:fontRef idx="minor">
+            <a:schemeClr val="tx1"/>
+          </a:fontRef>
+        </p:style>
+      </p:cxnSp>
+      <p:sp>
+        <p:nvSpPr>
+          <p:cNvPr id="55" name="Title 1">
+            <a:extLst>
+              <a:ext uri="{FF2B5EF4-FFF2-40B4-BE49-F238E27FC236}">
+                <a16:creationId xmlns:a16="http://schemas.microsoft.com/office/drawing/2014/main" id="{8026F425-028B-4C07-A317-932567BB0D8A}"/>
+              </a:ext>
+            </a:extLst>
+          </p:cNvPr>
+          <p:cNvSpPr txBox="1">
+            <a:spLocks/>
+          </p:cNvSpPr>
+          <p:nvPr/>
+        </p:nvSpPr>
+        <p:spPr>
+          <a:xfrm>
+            <a:off x="1155071" y="2753925"/>
+            <a:ext cx="4347258" cy="534419"/>
+          </a:xfrm>
+          <a:prstGeom prst="rect">
+            <a:avLst/>
+          </a:prstGeom>
+        </p:spPr>
+        <p:txBody>
+          <a:bodyPr vert="horz" lIns="91440" tIns="45720" rIns="91440" bIns="45720" rtlCol="0" anchor="ctr">
+            <a:normAutofit/>
+          </a:bodyPr>
+          <a:lstStyle>
+            <a:lvl1pPr algn="l" defTabSz="914400" rtl="0" eaLnBrk="1" latinLnBrk="0" hangingPunct="1">
+              <a:lnSpc>
+                <a:spcPct val="90000"/>
+              </a:lnSpc>
+              <a:spcBef>
+                <a:spcPct val="0"/>
+              </a:spcBef>
+              <a:buNone/>
+              <a:defRPr sz="4400" kern="1200">
+                <a:solidFill>
+                  <a:schemeClr val="tx1"/>
+                </a:solidFill>
+                <a:latin typeface="+mj-lt"/>
+                <a:ea typeface="+mj-ea"/>
+                <a:cs typeface="+mj-cs"/>
+              </a:defRPr>
+            </a:lvl1pPr>
+          </a:lstStyle>
+          <a:p>
+            <a:r>
+              <a:rPr lang="en-GB" sz="2000" dirty="0">
+                <a:solidFill>
+                  <a:schemeClr val="bg1"/>
+                </a:solidFill>
+              </a:rPr>
+              <a:t>Applying the texture normally</a:t>
+            </a:r>
+            <a:endParaRPr lang="en-GB" sz="2400" dirty="0">
+              <a:solidFill>
+                <a:schemeClr val="bg1"/>
+              </a:solidFill>
+            </a:endParaRPr>
+          </a:p>
+        </p:txBody>
+      </p:sp>
+      <p:cxnSp>
+        <p:nvCxnSpPr>
+          <p:cNvPr id="50" name="Straight Arrow Connector 49">
+            <a:extLst>
+              <a:ext uri="{FF2B5EF4-FFF2-40B4-BE49-F238E27FC236}">
+                <a16:creationId xmlns:a16="http://schemas.microsoft.com/office/drawing/2014/main" id="{47C30A7B-83C9-42E0-9A27-36C159612ED8}"/>
+              </a:ext>
+            </a:extLst>
+          </p:cNvPr>
+          <p:cNvCxnSpPr>
+            <a:cxnSpLocks/>
+          </p:cNvCxnSpPr>
+          <p:nvPr/>
+        </p:nvCxnSpPr>
+        <p:spPr>
+          <a:xfrm flipH="1" flipV="1">
+            <a:off x="9351645" y="4825365"/>
+            <a:ext cx="452755" cy="251215"/>
+          </a:xfrm>
+          <a:prstGeom prst="straightConnector1">
+            <a:avLst/>
+          </a:prstGeom>
+          <a:ln w="19050">
+            <a:solidFill>
+              <a:schemeClr val="bg1"/>
+            </a:solidFill>
+            <a:tailEnd type="triangle"/>
+          </a:ln>
+        </p:spPr>
+        <p:style>
+          <a:lnRef idx="1">
+            <a:schemeClr val="accent1"/>
+          </a:lnRef>
+          <a:fillRef idx="0">
+            <a:schemeClr val="accent1"/>
+          </a:fillRef>
+          <a:effectRef idx="0">
+            <a:schemeClr val="accent1"/>
+          </a:effectRef>
+          <a:fontRef idx="minor">
+            <a:schemeClr val="tx1"/>
+          </a:fontRef>
+        </p:style>
+      </p:cxnSp>
+      <p:sp>
+        <p:nvSpPr>
+          <p:cNvPr id="56" name="Title 1">
+            <a:extLst>
+              <a:ext uri="{FF2B5EF4-FFF2-40B4-BE49-F238E27FC236}">
+                <a16:creationId xmlns:a16="http://schemas.microsoft.com/office/drawing/2014/main" id="{D7D569FC-8B31-45E3-B7D7-3EA85FF3DD2D}"/>
+              </a:ext>
+            </a:extLst>
+          </p:cNvPr>
+          <p:cNvSpPr txBox="1">
+            <a:spLocks/>
+          </p:cNvSpPr>
+          <p:nvPr/>
+        </p:nvSpPr>
+        <p:spPr>
+          <a:xfrm>
+            <a:off x="7348756" y="2753925"/>
+            <a:ext cx="4843244" cy="838249"/>
+          </a:xfrm>
+          <a:prstGeom prst="rect">
+            <a:avLst/>
+          </a:prstGeom>
+        </p:spPr>
+        <p:txBody>
+          <a:bodyPr vert="horz" lIns="91440" tIns="45720" rIns="91440" bIns="45720" rtlCol="0" anchor="ctr">
+            <a:normAutofit/>
+          </a:bodyPr>
+          <a:lstStyle>
+            <a:lvl1pPr algn="l" defTabSz="914400" rtl="0" eaLnBrk="1" latinLnBrk="0" hangingPunct="1">
+              <a:lnSpc>
+                <a:spcPct val="90000"/>
+              </a:lnSpc>
+              <a:spcBef>
+                <a:spcPct val="0"/>
+              </a:spcBef>
+              <a:buNone/>
+              <a:defRPr sz="4400" kern="1200">
+                <a:solidFill>
+                  <a:schemeClr val="tx1"/>
+                </a:solidFill>
+                <a:latin typeface="+mj-lt"/>
+                <a:ea typeface="+mj-ea"/>
+                <a:cs typeface="+mj-cs"/>
+              </a:defRPr>
+            </a:lvl1pPr>
+          </a:lstStyle>
+          <a:p>
+            <a:r>
+              <a:rPr lang="en-GB" sz="2000" dirty="0">
+                <a:solidFill>
+                  <a:schemeClr val="bg1"/>
+                </a:solidFill>
+              </a:rPr>
+              <a:t>Applying the texture to an inverted sphere</a:t>
+            </a:r>
+          </a:p>
+          <a:p>
+            <a:r>
+              <a:rPr lang="en-GB" sz="2000" dirty="0">
+                <a:solidFill>
+                  <a:schemeClr val="bg1"/>
+                </a:solidFill>
+              </a:rPr>
+              <a:t>[Transforming by a scale of (-x,-y,-z)]</a:t>
+            </a:r>
+          </a:p>
+        </p:txBody>
+      </p:sp>
+      <p:sp>
+        <p:nvSpPr>
+          <p:cNvPr id="26" name="Isosceles Triangle 25">
+            <a:extLst>
+              <a:ext uri="{FF2B5EF4-FFF2-40B4-BE49-F238E27FC236}">
+                <a16:creationId xmlns:a16="http://schemas.microsoft.com/office/drawing/2014/main" id="{AD3F0BBC-B492-4B7C-A949-ADA28CE9CB45}"/>
+              </a:ext>
+            </a:extLst>
+          </p:cNvPr>
+          <p:cNvSpPr/>
+          <p:nvPr/>
+        </p:nvSpPr>
+        <p:spPr>
+          <a:xfrm rot="10800000">
+            <a:off x="9727184" y="5041968"/>
+            <a:ext cx="182880" cy="157655"/>
+          </a:xfrm>
+          <a:prstGeom prst="triangle">
+            <a:avLst/>
+          </a:prstGeom>
+          <a:blipFill>
+            <a:blip r:embed="rId4"/>
+            <a:tile tx="0" ty="0" sx="100000" sy="100000" flip="none" algn="tl"/>
+          </a:blipFill>
+          <a:ln w="3175">
+            <a:solidFill>
+              <a:schemeClr val="bg1"/>
+            </a:solidFill>
+          </a:ln>
+        </p:spPr>
+        <p:style>
+          <a:lnRef idx="2">
+            <a:schemeClr val="accent1">
+              <a:shade val="50000"/>
+            </a:schemeClr>
+          </a:lnRef>
+          <a:fillRef idx="1">
+            <a:schemeClr val="accent1"/>
+          </a:fillRef>
+          <a:effectRef idx="0">
+            <a:schemeClr val="accent1"/>
+          </a:effectRef>
+          <a:fontRef idx="minor">
+            <a:schemeClr val="lt1"/>
+          </a:fontRef>
+        </p:style>
+        <p:txBody>
+          <a:bodyPr rtlCol="0" anchor="ctr"/>
+          <a:lstStyle/>
+          <a:p>
+            <a:pPr algn="ctr"/>
+            <a:endParaRPr lang="en-GB"/>
+          </a:p>
+        </p:txBody>
+      </p:sp>
+      <p:cxnSp>
+        <p:nvCxnSpPr>
+          <p:cNvPr id="42" name="Straight Arrow Connector 41">
+            <a:extLst>
+              <a:ext uri="{FF2B5EF4-FFF2-40B4-BE49-F238E27FC236}">
+                <a16:creationId xmlns:a16="http://schemas.microsoft.com/office/drawing/2014/main" id="{2F7CE2B1-1BE4-4567-9248-20A7431FBCD5}"/>
+              </a:ext>
+            </a:extLst>
+          </p:cNvPr>
+          <p:cNvCxnSpPr>
+            <a:cxnSpLocks/>
+          </p:cNvCxnSpPr>
+          <p:nvPr/>
+        </p:nvCxnSpPr>
+        <p:spPr>
+          <a:xfrm>
+            <a:off x="8568944" y="4600183"/>
+            <a:ext cx="1158240" cy="441784"/>
+          </a:xfrm>
+          <a:prstGeom prst="straightConnector1">
+            <a:avLst/>
+          </a:prstGeom>
+          <a:ln w="19050">
+            <a:solidFill>
+              <a:srgbClr val="FF0000"/>
+            </a:solidFill>
+            <a:tailEnd type="triangle"/>
+          </a:ln>
+        </p:spPr>
+        <p:style>
+          <a:lnRef idx="1">
+            <a:schemeClr val="accent1"/>
+          </a:lnRef>
+          <a:fillRef idx="0">
+            <a:schemeClr val="accent1"/>
+          </a:fillRef>
+          <a:effectRef idx="0">
+            <a:schemeClr val="accent1"/>
+          </a:effectRef>
+          <a:fontRef idx="minor">
+            <a:schemeClr val="tx1"/>
+          </a:fontRef>
+        </p:style>
+      </p:cxnSp>
+    </p:spTree>
+    <p:extLst>
+      <p:ext uri="{BB962C8B-B14F-4D97-AF65-F5344CB8AC3E}">
+        <p14:creationId xmlns:p14="http://schemas.microsoft.com/office/powerpoint/2010/main" val="936034008"/>
+      </p:ext>
+    </p:extLst>
+  </p:cSld>
+  <p:clrMapOvr>
+    <a:masterClrMapping/>
+  </p:clrMapOvr>
+</p:sld>
+</file>
+
+<file path=ppt/slides/slide3.xml><?xml version="1.0" encoding="utf-8"?>
+<p:sld xmlns:a="http://schemas.openxmlformats.org/drawingml/2006/main" xmlns:r="http://schemas.openxmlformats.org/officeDocument/2006/relationships" xmlns:p="http://schemas.openxmlformats.org/presentationml/2006/main">
+  <p:cSld>
+    <p:spTree>
+      <p:nvGrpSpPr>
+        <p:cNvPr id="1" name=""/>
+        <p:cNvGrpSpPr/>
+        <p:nvPr/>
+      </p:nvGrpSpPr>
+      <p:grpSpPr>
+        <a:xfrm>
+          <a:off x="0" y="0"/>
+          <a:ext cx="0" cy="0"/>
+          <a:chOff x="0" y="0"/>
+          <a:chExt cx="0" cy="0"/>
+        </a:xfrm>
+      </p:grpSpPr>
+      <p:pic>
+        <p:nvPicPr>
+          <p:cNvPr id="37" name="Picture 36">
+            <a:extLst>
+              <a:ext uri="{FF2B5EF4-FFF2-40B4-BE49-F238E27FC236}">
+                <a16:creationId xmlns:a16="http://schemas.microsoft.com/office/drawing/2014/main" id="{04AA53D1-6B27-41EC-BE2D-593A61FD261E}"/>
+              </a:ext>
+            </a:extLst>
+          </p:cNvPr>
+          <p:cNvPicPr>
+            <a:picLocks noChangeAspect="1"/>
+          </p:cNvPicPr>
+          <p:nvPr/>
+        </p:nvPicPr>
+        <p:blipFill rotWithShape="1">
+          <a:blip r:embed="rId3"/>
+          <a:srcRect l="388" t="4959" r="58215" b="17420"/>
+          <a:stretch/>
+        </p:blipFill>
+        <p:spPr>
+          <a:xfrm>
+            <a:off x="0" y="1"/>
+            <a:ext cx="12192000" cy="6858000"/>
+          </a:xfrm>
+          <a:prstGeom prst="rect">
+            <a:avLst/>
+          </a:prstGeom>
+        </p:spPr>
+      </p:pic>
+      <p:sp>
+        <p:nvSpPr>
+          <p:cNvPr id="2" name="Title 1">
+            <a:extLst>
+              <a:ext uri="{FF2B5EF4-FFF2-40B4-BE49-F238E27FC236}">
+                <a16:creationId xmlns:a16="http://schemas.microsoft.com/office/drawing/2014/main" id="{A6B6EF6A-8B06-48E0-9F93-09909A0174EA}"/>
+              </a:ext>
+            </a:extLst>
+          </p:cNvPr>
+          <p:cNvSpPr>
+            <a:spLocks noGrp="1"/>
+          </p:cNvSpPr>
+          <p:nvPr>
+            <p:ph type="title"/>
+          </p:nvPr>
+        </p:nvSpPr>
+        <p:spPr/>
+        <p:txBody>
+          <a:bodyPr/>
+          <a:lstStyle/>
+          <a:p>
+            <a:r>
+              <a:rPr lang="en-GB" b="1" dirty="0">
+                <a:ln>
+                  <a:solidFill>
+                    <a:schemeClr val="tx1"/>
+                  </a:solidFill>
+                </a:ln>
+                <a:solidFill>
+                  <a:schemeClr val="bg1"/>
+                </a:solidFill>
+              </a:rPr>
+              <a:t>Creating orbital paths</a:t>
+            </a:r>
+          </a:p>
+        </p:txBody>
+      </p:sp>
+      <p:cxnSp>
+        <p:nvCxnSpPr>
+          <p:cNvPr id="11" name="Straight Connector 10">
+            <a:extLst>
+              <a:ext uri="{FF2B5EF4-FFF2-40B4-BE49-F238E27FC236}">
+                <a16:creationId xmlns:a16="http://schemas.microsoft.com/office/drawing/2014/main" id="{96B4F809-0417-4164-AD4F-7D3929A0B2BE}"/>
+              </a:ext>
+            </a:extLst>
+          </p:cNvPr>
+          <p:cNvCxnSpPr/>
+          <p:nvPr/>
+        </p:nvCxnSpPr>
+        <p:spPr>
+          <a:xfrm>
+            <a:off x="4710023" y="2622430"/>
+            <a:ext cx="0" cy="1639019"/>
+          </a:xfrm>
+          <a:prstGeom prst="line">
+            <a:avLst/>
+          </a:prstGeom>
+          <a:ln w="19050">
+            <a:solidFill>
+              <a:schemeClr val="bg1"/>
+            </a:solidFill>
+            <a:headEnd type="arrow" w="med" len="med"/>
+            <a:tailEnd type="none" w="med" len="med"/>
+          </a:ln>
+        </p:spPr>
+        <p:style>
+          <a:lnRef idx="1">
+            <a:schemeClr val="dk1"/>
+          </a:lnRef>
+          <a:fillRef idx="0">
+            <a:schemeClr val="dk1"/>
+          </a:fillRef>
+          <a:effectRef idx="0">
+            <a:schemeClr val="dk1"/>
+          </a:effectRef>
+          <a:fontRef idx="minor">
+            <a:schemeClr val="tx1"/>
+          </a:fontRef>
+        </p:style>
+      </p:cxnSp>
+      <p:cxnSp>
+        <p:nvCxnSpPr>
+          <p:cNvPr id="13" name="Straight Connector 12">
+            <a:extLst>
+              <a:ext uri="{FF2B5EF4-FFF2-40B4-BE49-F238E27FC236}">
+                <a16:creationId xmlns:a16="http://schemas.microsoft.com/office/drawing/2014/main" id="{BB74F6D7-1ED1-46AA-B906-5826948F1C3C}"/>
+              </a:ext>
+            </a:extLst>
+          </p:cNvPr>
+          <p:cNvCxnSpPr/>
+          <p:nvPr/>
+        </p:nvCxnSpPr>
+        <p:spPr>
+          <a:xfrm>
+            <a:off x="4706620" y="4259580"/>
+            <a:ext cx="1803400" cy="0"/>
+          </a:xfrm>
+          <a:prstGeom prst="line">
+            <a:avLst/>
+          </a:prstGeom>
+          <a:ln w="19050">
+            <a:solidFill>
+              <a:schemeClr val="bg1"/>
+            </a:solidFill>
+            <a:headEnd type="none" w="med" len="med"/>
+            <a:tailEnd type="arrow" w="med" len="med"/>
+          </a:ln>
+        </p:spPr>
+        <p:style>
+          <a:lnRef idx="1">
+            <a:schemeClr val="dk1"/>
+          </a:lnRef>
+          <a:fillRef idx="0">
+            <a:schemeClr val="dk1"/>
+          </a:fillRef>
+          <a:effectRef idx="0">
+            <a:schemeClr val="dk1"/>
+          </a:effectRef>
+          <a:fontRef idx="minor">
+            <a:schemeClr val="tx1"/>
+          </a:fontRef>
+        </p:style>
+      </p:cxnSp>
+      <p:cxnSp>
+        <p:nvCxnSpPr>
+          <p:cNvPr id="15" name="Straight Connector 14">
+            <a:extLst>
+              <a:ext uri="{FF2B5EF4-FFF2-40B4-BE49-F238E27FC236}">
+                <a16:creationId xmlns:a16="http://schemas.microsoft.com/office/drawing/2014/main" id="{87048796-D692-4E25-A712-1C6F879D2188}"/>
+              </a:ext>
+            </a:extLst>
+          </p:cNvPr>
+          <p:cNvCxnSpPr>
+            <a:cxnSpLocks/>
+          </p:cNvCxnSpPr>
+          <p:nvPr/>
+        </p:nvCxnSpPr>
+        <p:spPr>
+          <a:xfrm flipH="1">
+            <a:off x="3840736" y="4259580"/>
+            <a:ext cx="868424" cy="868424"/>
+          </a:xfrm>
+          <a:prstGeom prst="line">
+            <a:avLst/>
+          </a:prstGeom>
+          <a:ln w="19050">
+            <a:solidFill>
+              <a:schemeClr val="bg1"/>
+            </a:solidFill>
+            <a:headEnd type="none" w="med" len="med"/>
+            <a:tailEnd type="arrow" w="med" len="med"/>
+          </a:ln>
+        </p:spPr>
+        <p:style>
+          <a:lnRef idx="1">
+            <a:schemeClr val="dk1"/>
+          </a:lnRef>
+          <a:fillRef idx="0">
+            <a:schemeClr val="dk1"/>
+          </a:fillRef>
+          <a:effectRef idx="0">
+            <a:schemeClr val="dk1"/>
+          </a:effectRef>
+          <a:fontRef idx="minor">
+            <a:schemeClr val="tx1"/>
+          </a:fontRef>
+        </p:style>
+      </p:cxnSp>
+      <p:sp>
+        <p:nvSpPr>
+          <p:cNvPr id="17" name="Oval 16">
+            <a:extLst>
+              <a:ext uri="{FF2B5EF4-FFF2-40B4-BE49-F238E27FC236}">
+                <a16:creationId xmlns:a16="http://schemas.microsoft.com/office/drawing/2014/main" id="{A492A4FC-EB53-402C-B1B3-64FE77F34D5B}"/>
+              </a:ext>
+            </a:extLst>
+          </p:cNvPr>
+          <p:cNvSpPr/>
+          <p:nvPr/>
+        </p:nvSpPr>
+        <p:spPr>
+          <a:xfrm>
+            <a:off x="4974335" y="2987049"/>
+            <a:ext cx="1121655" cy="1121655"/>
+          </a:xfrm>
+          <a:prstGeom prst="ellipse">
+            <a:avLst/>
+          </a:prstGeom>
+          <a:noFill/>
+          <a:ln w="38100">
+            <a:solidFill>
+              <a:srgbClr val="FF0000"/>
+            </a:solidFill>
+            <a:prstDash val="sysDash"/>
+          </a:ln>
+        </p:spPr>
+        <p:style>
+          <a:lnRef idx="2">
+            <a:schemeClr val="accent1">
+              <a:shade val="50000"/>
+            </a:schemeClr>
+          </a:lnRef>
+          <a:fillRef idx="1">
+            <a:schemeClr val="accent1"/>
+          </a:fillRef>
+          <a:effectRef idx="0">
+            <a:schemeClr val="accent1"/>
+          </a:effectRef>
+          <a:fontRef idx="minor">
+            <a:schemeClr val="lt1"/>
+          </a:fontRef>
+        </p:style>
+        <p:txBody>
+          <a:bodyPr rtlCol="0" anchor="ctr"/>
+          <a:lstStyle/>
+          <a:p>
+            <a:pPr algn="ctr"/>
+            <a:endParaRPr lang="en-GB" dirty="0">
+              <a:highlight>
+                <a:srgbClr val="FFFF00"/>
+              </a:highlight>
+            </a:endParaRPr>
+          </a:p>
+        </p:txBody>
+      </p:sp>
+      <p:sp>
+        <p:nvSpPr>
+          <p:cNvPr id="18" name="Oval 17">
+            <a:extLst>
+              <a:ext uri="{FF2B5EF4-FFF2-40B4-BE49-F238E27FC236}">
+                <a16:creationId xmlns:a16="http://schemas.microsoft.com/office/drawing/2014/main" id="{6652235C-079C-49D6-9EEB-15B103830730}"/>
+              </a:ext>
+            </a:extLst>
+          </p:cNvPr>
+          <p:cNvSpPr/>
+          <p:nvPr/>
+        </p:nvSpPr>
+        <p:spPr>
+          <a:xfrm>
+            <a:off x="4663440" y="4094482"/>
+            <a:ext cx="1267964" cy="1267964"/>
+          </a:xfrm>
+          <a:prstGeom prst="ellipse">
+            <a:avLst/>
+          </a:prstGeom>
+          <a:noFill/>
+          <a:ln w="38100">
+            <a:solidFill>
+              <a:srgbClr val="FFFF00"/>
+            </a:solidFill>
+            <a:prstDash val="sysDash"/>
+          </a:ln>
+          <a:scene3d>
+            <a:camera prst="perspectiveRelaxed"/>
+            <a:lightRig rig="threePt" dir="t"/>
+          </a:scene3d>
+        </p:spPr>
+        <p:style>
+          <a:lnRef idx="2">
+            <a:schemeClr val="accent1">
+              <a:shade val="50000"/>
+            </a:schemeClr>
+          </a:lnRef>
+          <a:fillRef idx="1">
+            <a:schemeClr val="accent1"/>
+          </a:fillRef>
+          <a:effectRef idx="0">
+            <a:schemeClr val="accent1"/>
+          </a:effectRef>
+          <a:fontRef idx="minor">
+            <a:schemeClr val="lt1"/>
+          </a:fontRef>
+        </p:style>
+        <p:txBody>
+          <a:bodyPr rtlCol="0" anchor="ctr"/>
+          <a:lstStyle/>
+          <a:p>
+            <a:pPr algn="ctr"/>
+            <a:endParaRPr lang="en-GB" dirty="0"/>
+          </a:p>
+        </p:txBody>
+      </p:sp>
+      <p:sp>
+        <p:nvSpPr>
+          <p:cNvPr id="19" name="Oval 18">
+            <a:extLst>
+              <a:ext uri="{FF2B5EF4-FFF2-40B4-BE49-F238E27FC236}">
+                <a16:creationId xmlns:a16="http://schemas.microsoft.com/office/drawing/2014/main" id="{A1210209-7E11-4A07-8289-3DD37B62AD0C}"/>
+              </a:ext>
+            </a:extLst>
+          </p:cNvPr>
+          <p:cNvSpPr/>
+          <p:nvPr/>
+        </p:nvSpPr>
+        <p:spPr>
+          <a:xfrm>
+            <a:off x="3541785" y="3211072"/>
+            <a:ext cx="1267964" cy="1267964"/>
+          </a:xfrm>
+          <a:prstGeom prst="ellipse">
+            <a:avLst/>
+          </a:prstGeom>
+          <a:noFill/>
+          <a:ln w="38100">
+            <a:solidFill>
+              <a:srgbClr val="00B050"/>
+            </a:solidFill>
+            <a:prstDash val="sysDash"/>
+          </a:ln>
+          <a:scene3d>
+            <a:camera prst="perspectiveContrastingRightFacing"/>
+            <a:lightRig rig="threePt" dir="t"/>
+          </a:scene3d>
+        </p:spPr>
+        <p:style>
+          <a:lnRef idx="2">
+            <a:schemeClr val="accent1">
+              <a:shade val="50000"/>
+            </a:schemeClr>
+          </a:lnRef>
+          <a:fillRef idx="1">
+            <a:schemeClr val="accent1"/>
+          </a:fillRef>
+          <a:effectRef idx="0">
+            <a:schemeClr val="accent1"/>
+          </a:effectRef>
+          <a:fontRef idx="minor">
+            <a:schemeClr val="lt1"/>
+          </a:fontRef>
+        </p:style>
+        <p:txBody>
+          <a:bodyPr rtlCol="0" anchor="ctr"/>
+          <a:lstStyle/>
+          <a:p>
+            <a:pPr algn="ctr"/>
+            <a:endParaRPr lang="en-GB" dirty="0"/>
+          </a:p>
+        </p:txBody>
+      </p:sp>
+      <p:sp>
+        <p:nvSpPr>
+          <p:cNvPr id="21" name="TextBox 20">
+            <a:extLst>
+              <a:ext uri="{FF2B5EF4-FFF2-40B4-BE49-F238E27FC236}">
+                <a16:creationId xmlns:a16="http://schemas.microsoft.com/office/drawing/2014/main" id="{2F630818-56A5-4B34-9A20-D7542537D1D9}"/>
+              </a:ext>
+            </a:extLst>
+          </p:cNvPr>
+          <p:cNvSpPr txBox="1"/>
+          <p:nvPr/>
+        </p:nvSpPr>
+        <p:spPr>
+          <a:xfrm>
+            <a:off x="7095742" y="2694432"/>
+            <a:ext cx="2993133" cy="646331"/>
+          </a:xfrm>
+          <a:prstGeom prst="rect">
+            <a:avLst/>
+          </a:prstGeom>
+          <a:noFill/>
+        </p:spPr>
+        <p:txBody>
+          <a:bodyPr wrap="square" rtlCol="0">
+            <a:spAutoFit/>
+          </a:bodyPr>
+          <a:lstStyle/>
+          <a:p>
+            <a:r>
+              <a:rPr lang="en-GB" dirty="0">
+                <a:solidFill>
+                  <a:schemeClr val="bg1"/>
+                </a:solidFill>
+              </a:rPr>
+              <a:t>X Position = cos(±rotation)</a:t>
+            </a:r>
+          </a:p>
+          <a:p>
+            <a:r>
+              <a:rPr lang="en-GB" dirty="0">
+                <a:solidFill>
+                  <a:schemeClr val="bg1"/>
+                </a:solidFill>
+              </a:rPr>
+              <a:t>Y Position = sin(±rotation)</a:t>
+            </a:r>
+          </a:p>
+        </p:txBody>
+      </p:sp>
+      <p:sp>
+        <p:nvSpPr>
+          <p:cNvPr id="29" name="TextBox 28">
+            <a:extLst>
+              <a:ext uri="{FF2B5EF4-FFF2-40B4-BE49-F238E27FC236}">
+                <a16:creationId xmlns:a16="http://schemas.microsoft.com/office/drawing/2014/main" id="{1545E920-AC7D-4CF6-897E-8D6B59091857}"/>
+              </a:ext>
+            </a:extLst>
+          </p:cNvPr>
+          <p:cNvSpPr txBox="1"/>
+          <p:nvPr/>
+        </p:nvSpPr>
+        <p:spPr>
+          <a:xfrm>
+            <a:off x="7095743" y="3334822"/>
+            <a:ext cx="2993133" cy="646331"/>
+          </a:xfrm>
+          <a:prstGeom prst="rect">
+            <a:avLst/>
+          </a:prstGeom>
+          <a:noFill/>
+        </p:spPr>
+        <p:txBody>
+          <a:bodyPr wrap="square" rtlCol="0">
+            <a:spAutoFit/>
+          </a:bodyPr>
+          <a:lstStyle/>
+          <a:p>
+            <a:r>
+              <a:rPr lang="en-GB" dirty="0">
+                <a:solidFill>
+                  <a:schemeClr val="bg1"/>
+                </a:solidFill>
+              </a:rPr>
+              <a:t>Y Position = cos(±rotation)</a:t>
+            </a:r>
+          </a:p>
+          <a:p>
+            <a:r>
+              <a:rPr lang="en-GB" dirty="0">
+                <a:solidFill>
+                  <a:schemeClr val="bg1"/>
+                </a:solidFill>
+              </a:rPr>
+              <a:t>Z Position = sin(±rotation)</a:t>
+            </a:r>
+          </a:p>
+        </p:txBody>
+      </p:sp>
+      <p:sp>
+        <p:nvSpPr>
+          <p:cNvPr id="30" name="TextBox 29">
+            <a:extLst>
+              <a:ext uri="{FF2B5EF4-FFF2-40B4-BE49-F238E27FC236}">
+                <a16:creationId xmlns:a16="http://schemas.microsoft.com/office/drawing/2014/main" id="{E0C0F823-FCD1-4DAC-B0E4-20CAB9CCC33A}"/>
+              </a:ext>
+            </a:extLst>
+          </p:cNvPr>
+          <p:cNvSpPr txBox="1"/>
+          <p:nvPr/>
+        </p:nvSpPr>
+        <p:spPr>
+          <a:xfrm>
+            <a:off x="7095743" y="3987094"/>
+            <a:ext cx="2993133" cy="646331"/>
+          </a:xfrm>
+          <a:prstGeom prst="rect">
+            <a:avLst/>
+          </a:prstGeom>
+          <a:noFill/>
+        </p:spPr>
+        <p:txBody>
+          <a:bodyPr wrap="square" rtlCol="0">
+            <a:spAutoFit/>
+          </a:bodyPr>
+          <a:lstStyle/>
+          <a:p>
+            <a:r>
+              <a:rPr lang="en-GB" dirty="0">
+                <a:solidFill>
+                  <a:schemeClr val="bg1"/>
+                </a:solidFill>
+              </a:rPr>
+              <a:t>X Position = cos(±rotation)</a:t>
+            </a:r>
+          </a:p>
+          <a:p>
+            <a:r>
+              <a:rPr lang="en-GB" dirty="0">
+                <a:solidFill>
+                  <a:schemeClr val="bg1"/>
+                </a:solidFill>
+              </a:rPr>
+              <a:t>Z Position = sin(±rotation)</a:t>
+            </a:r>
+          </a:p>
+        </p:txBody>
+      </p:sp>
+      <p:cxnSp>
+        <p:nvCxnSpPr>
+          <p:cNvPr id="34" name="Straight Connector 33">
+            <a:extLst>
+              <a:ext uri="{FF2B5EF4-FFF2-40B4-BE49-F238E27FC236}">
+                <a16:creationId xmlns:a16="http://schemas.microsoft.com/office/drawing/2014/main" id="{AE877572-540C-4E65-A110-EC2BCDAE3B3B}"/>
+              </a:ext>
+            </a:extLst>
+          </p:cNvPr>
+          <p:cNvCxnSpPr>
+            <a:cxnSpLocks/>
+          </p:cNvCxnSpPr>
+          <p:nvPr/>
+        </p:nvCxnSpPr>
+        <p:spPr>
+          <a:xfrm>
+            <a:off x="7019543" y="2694432"/>
+            <a:ext cx="0" cy="646331"/>
+          </a:xfrm>
+          <a:prstGeom prst="line">
+            <a:avLst/>
+          </a:prstGeom>
+          <a:ln w="38100">
+            <a:solidFill>
+              <a:srgbClr val="FF0000"/>
+            </a:solidFill>
+            <a:prstDash val="sysDash"/>
+          </a:ln>
+        </p:spPr>
+        <p:style>
+          <a:lnRef idx="1">
+            <a:schemeClr val="accent1"/>
+          </a:lnRef>
+          <a:fillRef idx="0">
+            <a:schemeClr val="accent1"/>
+          </a:fillRef>
+          <a:effectRef idx="0">
+            <a:schemeClr val="accent1"/>
+          </a:effectRef>
+          <a:fontRef idx="minor">
+            <a:schemeClr val="tx1"/>
+          </a:fontRef>
+        </p:style>
+      </p:cxnSp>
+      <p:cxnSp>
+        <p:nvCxnSpPr>
+          <p:cNvPr id="35" name="Straight Connector 34">
+            <a:extLst>
+              <a:ext uri="{FF2B5EF4-FFF2-40B4-BE49-F238E27FC236}">
+                <a16:creationId xmlns:a16="http://schemas.microsoft.com/office/drawing/2014/main" id="{05955277-2146-4446-BC42-35B65F72DA90}"/>
+              </a:ext>
+            </a:extLst>
+          </p:cNvPr>
+          <p:cNvCxnSpPr>
+            <a:cxnSpLocks/>
+          </p:cNvCxnSpPr>
+          <p:nvPr/>
+        </p:nvCxnSpPr>
+        <p:spPr>
+          <a:xfrm>
+            <a:off x="7019543" y="3340763"/>
+            <a:ext cx="0" cy="646331"/>
+          </a:xfrm>
+          <a:prstGeom prst="line">
+            <a:avLst/>
+          </a:prstGeom>
+          <a:ln w="38100">
+            <a:solidFill>
+              <a:srgbClr val="00B050"/>
+            </a:solidFill>
+            <a:prstDash val="sysDash"/>
+          </a:ln>
+        </p:spPr>
+        <p:style>
+          <a:lnRef idx="1">
+            <a:schemeClr val="accent1"/>
+          </a:lnRef>
+          <a:fillRef idx="0">
+            <a:schemeClr val="accent1"/>
+          </a:fillRef>
+          <a:effectRef idx="0">
+            <a:schemeClr val="accent1"/>
+          </a:effectRef>
+          <a:fontRef idx="minor">
+            <a:schemeClr val="tx1"/>
+          </a:fontRef>
+        </p:style>
+      </p:cxnSp>
+      <p:cxnSp>
+        <p:nvCxnSpPr>
+          <p:cNvPr id="36" name="Straight Connector 35">
+            <a:extLst>
+              <a:ext uri="{FF2B5EF4-FFF2-40B4-BE49-F238E27FC236}">
+                <a16:creationId xmlns:a16="http://schemas.microsoft.com/office/drawing/2014/main" id="{E1F23538-ADFF-4198-9293-CB1EB8C0A237}"/>
+              </a:ext>
+            </a:extLst>
+          </p:cNvPr>
+          <p:cNvCxnSpPr>
+            <a:cxnSpLocks/>
+          </p:cNvCxnSpPr>
+          <p:nvPr/>
+        </p:nvCxnSpPr>
+        <p:spPr>
+          <a:xfrm>
+            <a:off x="7019543" y="3987094"/>
+            <a:ext cx="0" cy="646331"/>
+          </a:xfrm>
+          <a:prstGeom prst="line">
+            <a:avLst/>
+          </a:prstGeom>
+          <a:ln w="38100">
+            <a:solidFill>
+              <a:srgbClr val="FFFF00"/>
+            </a:solidFill>
+            <a:prstDash val="sysDash"/>
+          </a:ln>
+        </p:spPr>
+        <p:style>
+          <a:lnRef idx="1">
+            <a:schemeClr val="accent1"/>
+          </a:lnRef>
+          <a:fillRef idx="0">
+            <a:schemeClr val="accent1"/>
+          </a:fillRef>
+          <a:effectRef idx="0">
+            <a:schemeClr val="accent1"/>
+          </a:effectRef>
+          <a:fontRef idx="minor">
+            <a:schemeClr val="tx1"/>
+          </a:fontRef>
+        </p:style>
+      </p:cxnSp>
+    </p:spTree>
+    <p:extLst>
+      <p:ext uri="{BB962C8B-B14F-4D97-AF65-F5344CB8AC3E}">
+        <p14:creationId xmlns:p14="http://schemas.microsoft.com/office/powerpoint/2010/main" val="1237214985"/>
+      </p:ext>
+    </p:extLst>
+  </p:cSld>
+  <p:clrMapOvr>
+    <a:masterClrMapping/>
+  </p:clrMapOvr>
+</p:sld>
+</file>
+
+<file path=ppt/slides/slide4.xml><?xml version="1.0" encoding="utf-8"?>
+<p:sld xmlns:a="http://schemas.openxmlformats.org/drawingml/2006/main" xmlns:r="http://schemas.openxmlformats.org/officeDocument/2006/relationships" xmlns:p="http://schemas.openxmlformats.org/presentationml/2006/main">
+  <p:cSld>
+    <p:spTree>
+      <p:nvGrpSpPr>
+        <p:cNvPr id="1" name=""/>
+        <p:cNvGrpSpPr/>
+        <p:nvPr/>
+      </p:nvGrpSpPr>
+      <p:grpSpPr>
+        <a:xfrm>
+          <a:off x="0" y="0"/>
+          <a:ext cx="0" cy="0"/>
+          <a:chOff x="0" y="0"/>
+          <a:chExt cx="0" cy="0"/>
+        </a:xfrm>
+      </p:grpSpPr>
+      <p:pic>
+        <p:nvPicPr>
+          <p:cNvPr id="37" name="Picture 36">
+            <a:extLst>
+              <a:ext uri="{FF2B5EF4-FFF2-40B4-BE49-F238E27FC236}">
+                <a16:creationId xmlns:a16="http://schemas.microsoft.com/office/drawing/2014/main" id="{04AA53D1-6B27-41EC-BE2D-593A61FD261E}"/>
+              </a:ext>
+            </a:extLst>
+          </p:cNvPr>
+          <p:cNvPicPr>
+            <a:picLocks noChangeAspect="1"/>
+          </p:cNvPicPr>
+          <p:nvPr/>
+        </p:nvPicPr>
+        <p:blipFill rotWithShape="1">
+          <a:blip r:embed="rId3"/>
+          <a:srcRect l="388" t="4959" r="58215" b="17420"/>
+          <a:stretch/>
+        </p:blipFill>
+        <p:spPr>
+          <a:xfrm>
+            <a:off x="0" y="1"/>
+            <a:ext cx="12192000" cy="6858000"/>
+          </a:xfrm>
+          <a:prstGeom prst="rect">
+            <a:avLst/>
+          </a:prstGeom>
+        </p:spPr>
+      </p:pic>
+      <p:sp>
+        <p:nvSpPr>
+          <p:cNvPr id="2" name="Title 1">
+            <a:extLst>
+              <a:ext uri="{FF2B5EF4-FFF2-40B4-BE49-F238E27FC236}">
+                <a16:creationId xmlns:a16="http://schemas.microsoft.com/office/drawing/2014/main" id="{A6B6EF6A-8B06-48E0-9F93-09909A0174EA}"/>
+              </a:ext>
+            </a:extLst>
+          </p:cNvPr>
+          <p:cNvSpPr>
+            <a:spLocks noGrp="1"/>
+          </p:cNvSpPr>
+          <p:nvPr>
+            <p:ph type="title"/>
+          </p:nvPr>
+        </p:nvSpPr>
+        <p:spPr/>
+        <p:txBody>
+          <a:bodyPr/>
+          <a:lstStyle/>
+          <a:p>
+            <a:r>
+              <a:rPr lang="en-GB" b="1" dirty="0">
+                <a:ln>
+                  <a:solidFill>
+                    <a:schemeClr val="tx1"/>
+                  </a:solidFill>
+                </a:ln>
+                <a:solidFill>
+                  <a:schemeClr val="bg1"/>
+                </a:solidFill>
+              </a:rPr>
+              <a:t>Limiting the camera to a sphere</a:t>
+            </a:r>
+          </a:p>
+        </p:txBody>
+      </p:sp>
+      <p:sp>
+        <p:nvSpPr>
+          <p:cNvPr id="18" name="TextBox 17">
+            <a:extLst>
+              <a:ext uri="{FF2B5EF4-FFF2-40B4-BE49-F238E27FC236}">
+                <a16:creationId xmlns:a16="http://schemas.microsoft.com/office/drawing/2014/main" id="{587148A8-F286-4E08-B178-C757A347CFAF}"/>
+              </a:ext>
+            </a:extLst>
+          </p:cNvPr>
+          <p:cNvSpPr txBox="1"/>
+          <p:nvPr/>
+        </p:nvSpPr>
+        <p:spPr>
+          <a:xfrm>
+            <a:off x="838200" y="2055812"/>
+            <a:ext cx="10646328" cy="3170099"/>
+          </a:xfrm>
+          <a:prstGeom prst="rect">
+            <a:avLst/>
+          </a:prstGeom>
+          <a:noFill/>
+        </p:spPr>
+        <p:txBody>
+          <a:bodyPr wrap="square" rtlCol="0">
+            <a:spAutoFit/>
+          </a:bodyPr>
+          <a:lstStyle/>
+          <a:p>
+            <a:r>
+              <a:rPr lang="en-GB" sz="2000" b="1" dirty="0">
+                <a:ln>
+                  <a:solidFill>
+                    <a:schemeClr val="tx1"/>
+                  </a:solidFill>
+                </a:ln>
+                <a:solidFill>
+                  <a:schemeClr val="bg1"/>
+                </a:solidFill>
+              </a:rPr>
+              <a:t>Distance from point (0,0,0) = √(xPosition^2+yPosition^2+zPosition^2)</a:t>
+            </a:r>
+          </a:p>
+          <a:p>
+            <a:endParaRPr lang="en-GB" sz="2000" b="1" dirty="0">
+              <a:ln>
+                <a:solidFill>
+                  <a:schemeClr val="tx1"/>
+                </a:solidFill>
+              </a:ln>
+              <a:solidFill>
+                <a:schemeClr val="bg1"/>
+              </a:solidFill>
+            </a:endParaRPr>
+          </a:p>
+          <a:p>
+            <a:r>
+              <a:rPr lang="en-GB" sz="2000" b="1" dirty="0">
+                <a:ln>
+                  <a:solidFill>
+                    <a:schemeClr val="tx1"/>
+                  </a:solidFill>
+                </a:ln>
+                <a:solidFill>
+                  <a:schemeClr val="bg1"/>
+                </a:solidFill>
+              </a:rPr>
+              <a:t>If the magnitude is greater than what you wish the limit of movement to be:</a:t>
+            </a:r>
+          </a:p>
+          <a:p>
+            <a:endParaRPr lang="en-GB" sz="2000" b="1" dirty="0">
+              <a:ln>
+                <a:solidFill>
+                  <a:schemeClr val="tx1"/>
+                </a:solidFill>
+              </a:ln>
+              <a:solidFill>
+                <a:schemeClr val="bg1"/>
+              </a:solidFill>
+            </a:endParaRPr>
+          </a:p>
+          <a:p>
+            <a:pPr marL="342900" indent="-342900">
+              <a:buFont typeface="Arial" panose="020B0604020202020204" pitchFamily="34" charset="0"/>
+              <a:buChar char="•"/>
+            </a:pPr>
+            <a:r>
+              <a:rPr lang="en-GB" sz="2000" b="1" dirty="0">
+                <a:ln>
+                  <a:solidFill>
+                    <a:schemeClr val="tx1"/>
+                  </a:solidFill>
+                </a:ln>
+                <a:solidFill>
+                  <a:schemeClr val="bg1"/>
+                </a:solidFill>
+              </a:rPr>
+              <a:t>Make a unit vector of the current position by dividing the x, y and z values by the magnitude</a:t>
+            </a:r>
+          </a:p>
+          <a:p>
+            <a:pPr marL="342900" indent="-342900">
+              <a:buFont typeface="Arial" panose="020B0604020202020204" pitchFamily="34" charset="0"/>
+              <a:buChar char="•"/>
+            </a:pPr>
+            <a:endParaRPr lang="en-GB" sz="2000" b="1" dirty="0">
+              <a:ln>
+                <a:solidFill>
+                  <a:schemeClr val="tx1"/>
+                </a:solidFill>
+              </a:ln>
+              <a:solidFill>
+                <a:schemeClr val="bg1"/>
+              </a:solidFill>
+            </a:endParaRPr>
+          </a:p>
+          <a:p>
+            <a:pPr marL="342900" indent="-342900">
+              <a:buFont typeface="Arial" panose="020B0604020202020204" pitchFamily="34" charset="0"/>
+              <a:buChar char="•"/>
+            </a:pPr>
+            <a:r>
+              <a:rPr lang="en-GB" sz="2000" b="1" dirty="0">
+                <a:ln>
+                  <a:solidFill>
+                    <a:schemeClr val="tx1"/>
+                  </a:solidFill>
+                </a:ln>
+                <a:solidFill>
+                  <a:schemeClr val="bg1"/>
+                </a:solidFill>
+              </a:rPr>
+              <a:t>Multiply this vector by the limit of the sphere</a:t>
+            </a:r>
+          </a:p>
+          <a:p>
+            <a:pPr marL="342900" indent="-342900">
+              <a:buFont typeface="Arial" panose="020B0604020202020204" pitchFamily="34" charset="0"/>
+              <a:buChar char="•"/>
+            </a:pPr>
+            <a:endParaRPr lang="en-GB" sz="2000" b="1" dirty="0">
+              <a:ln>
+                <a:solidFill>
+                  <a:schemeClr val="tx1"/>
+                </a:solidFill>
+              </a:ln>
+              <a:solidFill>
+                <a:schemeClr val="bg1"/>
+              </a:solidFill>
+            </a:endParaRPr>
+          </a:p>
+          <a:p>
+            <a:pPr marL="342900" indent="-342900">
+              <a:buFont typeface="Arial" panose="020B0604020202020204" pitchFamily="34" charset="0"/>
+              <a:buChar char="•"/>
+            </a:pPr>
+            <a:r>
+              <a:rPr lang="en-GB" sz="2000" b="1" dirty="0">
+                <a:ln>
+                  <a:solidFill>
+                    <a:schemeClr val="tx1"/>
+                  </a:solidFill>
+                </a:ln>
+                <a:solidFill>
+                  <a:schemeClr val="bg1"/>
+                </a:solidFill>
+              </a:rPr>
+              <a:t>Set the camera position to the new vector</a:t>
+            </a:r>
+          </a:p>
+          <a:p>
+            <a:pPr marL="342900" indent="-342900">
+              <a:buFont typeface="Arial" panose="020B0604020202020204" pitchFamily="34" charset="0"/>
+              <a:buChar char="•"/>
+            </a:pPr>
+            <a:endParaRPr lang="en-GB" sz="2000" b="1" dirty="0">
+              <a:ln>
+                <a:solidFill>
+                  <a:schemeClr val="tx1"/>
+                </a:solidFill>
+              </a:ln>
+              <a:solidFill>
+                <a:schemeClr val="bg1"/>
+              </a:solidFill>
+            </a:endParaRPr>
+          </a:p>
+        </p:txBody>
+      </p:sp>
+    </p:spTree>
+    <p:extLst>
+      <p:ext uri="{BB962C8B-B14F-4D97-AF65-F5344CB8AC3E}">
+        <p14:creationId xmlns:p14="http://schemas.microsoft.com/office/powerpoint/2010/main" val="128845656"/>
       </p:ext>
     </p:extLst>
   </p:cSld>
@@ -3300,4 +6017,299 @@
     </a:ext>
   </a:extLst>
 </a:theme>
+</file>
+
+<file path=ppt/theme/theme2.xml><?xml version="1.0" encoding="utf-8"?>
+<a:theme xmlns:a="http://schemas.openxmlformats.org/drawingml/2006/main" name="Office Theme">
+  <a:themeElements>
+    <a:clrScheme name="Office">
+      <a:dk1>
+        <a:sysClr val="windowText" lastClr="000000"/>
+      </a:dk1>
+      <a:lt1>
+        <a:sysClr val="window" lastClr="FFFFFF"/>
+      </a:lt1>
+      <a:dk2>
+        <a:srgbClr val="44546A"/>
+      </a:dk2>
+      <a:lt2>
+        <a:srgbClr val="E7E6E6"/>
+      </a:lt2>
+      <a:accent1>
+        <a:srgbClr val="4472C4"/>
+      </a:accent1>
+      <a:accent2>
+        <a:srgbClr val="ED7D31"/>
+      </a:accent2>
+      <a:accent3>
+        <a:srgbClr val="A5A5A5"/>
+      </a:accent3>
+      <a:accent4>
+        <a:srgbClr val="FFC000"/>
+      </a:accent4>
+      <a:accent5>
+        <a:srgbClr val="5B9BD5"/>
+      </a:accent5>
+      <a:accent6>
+        <a:srgbClr val="70AD47"/>
+      </a:accent6>
+      <a:hlink>
+        <a:srgbClr val="0563C1"/>
+      </a:hlink>
+      <a:folHlink>
+        <a:srgbClr val="954F72"/>
+      </a:folHlink>
+    </a:clrScheme>
+    <a:fontScheme name="Office">
+      <a:majorFont>
+        <a:latin typeface="Calibri Light" panose="020F0302020204030204"/>
+        <a:ea typeface=""/>
+        <a:cs typeface=""/>
+        <a:font script="Jpan" typeface="游ゴシック Light"/>
+        <a:font script="Hang" typeface="맑은 고딕"/>
+        <a:font script="Hans" typeface="等线 Light"/>
+        <a:font script="Hant" typeface="新細明體"/>
+        <a:font script="Arab" typeface="Times New Roman"/>
+        <a:font script="Hebr" typeface="Times New Roman"/>
+        <a:font script="Thai" typeface="Angsana New"/>
+        <a:font script="Ethi" typeface="Nyala"/>
+        <a:font script="Beng" typeface="Vrinda"/>
+        <a:font script="Gujr" typeface="Shruti"/>
+        <a:font script="Khmr" typeface="MoolBoran"/>
+        <a:font script="Knda" typeface="Tunga"/>
+        <a:font script="Guru" typeface="Raavi"/>
+        <a:font script="Cans" typeface="Euphemia"/>
+        <a:font script="Cher" typeface="Plantagenet Cherokee"/>
+        <a:font script="Yiii" typeface="Microsoft Yi Baiti"/>
+        <a:font script="Tibt" typeface="Microsoft Himalaya"/>
+        <a:font script="Thaa" typeface="MV Boli"/>
+        <a:font script="Deva" typeface="Mangal"/>
+        <a:font script="Telu" typeface="Gautami"/>
+        <a:font script="Taml" typeface="Latha"/>
+        <a:font script="Syrc" typeface="Estrangelo Edessa"/>
+        <a:font script="Orya" typeface="Kalinga"/>
+        <a:font script="Mlym" typeface="Kartika"/>
+        <a:font script="Laoo" typeface="DokChampa"/>
+        <a:font script="Sinh" typeface="Iskoola Pota"/>
+        <a:font script="Mong" typeface="Mongolian Baiti"/>
+        <a:font script="Viet" typeface="Times New Roman"/>
+        <a:font script="Uigh" typeface="Microsoft Uighur"/>
+        <a:font script="Geor" typeface="Sylfaen"/>
+        <a:font script="Armn" typeface="Arial"/>
+        <a:font script="Bugi" typeface="Leelawadee UI"/>
+        <a:font script="Bopo" typeface="Microsoft JhengHei"/>
+        <a:font script="Java" typeface="Javanese Text"/>
+        <a:font script="Lisu" typeface="Segoe UI"/>
+        <a:font script="Mymr" typeface="Myanmar Text"/>
+        <a:font script="Nkoo" typeface="Ebrima"/>
+        <a:font script="Olck" typeface="Nirmala UI"/>
+        <a:font script="Osma" typeface="Ebrima"/>
+        <a:font script="Phag" typeface="Phagspa"/>
+        <a:font script="Syrn" typeface="Estrangelo Edessa"/>
+        <a:font script="Syrj" typeface="Estrangelo Edessa"/>
+        <a:font script="Syre" typeface="Estrangelo Edessa"/>
+        <a:font script="Sora" typeface="Nirmala UI"/>
+        <a:font script="Tale" typeface="Microsoft Tai Le"/>
+        <a:font script="Talu" typeface="Microsoft New Tai Lue"/>
+        <a:font script="Tfng" typeface="Ebrima"/>
+      </a:majorFont>
+      <a:minorFont>
+        <a:latin typeface="Calibri" panose="020F0502020204030204"/>
+        <a:ea typeface=""/>
+        <a:cs typeface=""/>
+        <a:font script="Jpan" typeface="游ゴシック"/>
+        <a:font script="Hang" typeface="맑은 고딕"/>
+        <a:font script="Hans" typeface="等线"/>
+        <a:font script="Hant" typeface="新細明體"/>
+        <a:font script="Arab" typeface="Arial"/>
+        <a:font script="Hebr" typeface="Arial"/>
+        <a:font script="Thai" typeface="Cordia New"/>
+        <a:font script="Ethi" typeface="Nyala"/>
+        <a:font script="Beng" typeface="Vrinda"/>
+        <a:font script="Gujr" typeface="Shruti"/>
+        <a:font script="Khmr" typeface="DaunPenh"/>
+        <a:font script="Knda" typeface="Tunga"/>
+        <a:font script="Guru" typeface="Raavi"/>
+        <a:font script="Cans" typeface="Euphemia"/>
+        <a:font script="Cher" typeface="Plantagenet Cherokee"/>
+        <a:font script="Yiii" typeface="Microsoft Yi Baiti"/>
+        <a:font script="Tibt" typeface="Microsoft Himalaya"/>
+        <a:font script="Thaa" typeface="MV Boli"/>
+        <a:font script="Deva" typeface="Mangal"/>
+        <a:font script="Telu" typeface="Gautami"/>
+        <a:font script="Taml" typeface="Latha"/>
+        <a:font script="Syrc" typeface="Estrangelo Edessa"/>
+        <a:font script="Orya" typeface="Kalinga"/>
+        <a:font script="Mlym" typeface="Kartika"/>
+        <a:font script="Laoo" typeface="DokChampa"/>
+        <a:font script="Sinh" typeface="Iskoola Pota"/>
+        <a:font script="Mong" typeface="Mongolian Baiti"/>
+        <a:font script="Viet" typeface="Arial"/>
+        <a:font script="Uigh" typeface="Microsoft Uighur"/>
+        <a:font script="Geor" typeface="Sylfaen"/>
+        <a:font script="Armn" typeface="Arial"/>
+        <a:font script="Bugi" typeface="Leelawadee UI"/>
+        <a:font script="Bopo" typeface="Microsoft JhengHei"/>
+        <a:font script="Java" typeface="Javanese Text"/>
+        <a:font script="Lisu" typeface="Segoe UI"/>
+        <a:font script="Mymr" typeface="Myanmar Text"/>
+        <a:font script="Nkoo" typeface="Ebrima"/>
+        <a:font script="Olck" typeface="Nirmala UI"/>
+        <a:font script="Osma" typeface="Ebrima"/>
+        <a:font script="Phag" typeface="Phagspa"/>
+        <a:font script="Syrn" typeface="Estrangelo Edessa"/>
+        <a:font script="Syrj" typeface="Estrangelo Edessa"/>
+        <a:font script="Syre" typeface="Estrangelo Edessa"/>
+        <a:font script="Sora" typeface="Nirmala UI"/>
+        <a:font script="Tale" typeface="Microsoft Tai Le"/>
+        <a:font script="Talu" typeface="Microsoft New Tai Lue"/>
+        <a:font script="Tfng" typeface="Ebrima"/>
+      </a:minorFont>
+    </a:fontScheme>
+    <a:fmtScheme name="Office">
+      <a:fillStyleLst>
+        <a:solidFill>
+          <a:schemeClr val="phClr"/>
+        </a:solidFill>
+        <a:gradFill rotWithShape="1">
+          <a:gsLst>
+            <a:gs pos="0">
+              <a:schemeClr val="phClr">
+                <a:lumMod val="110000"/>
+                <a:satMod val="105000"/>
+                <a:tint val="67000"/>
+              </a:schemeClr>
+            </a:gs>
+            <a:gs pos="50000">
+              <a:schemeClr val="phClr">
+                <a:lumMod val="105000"/>
+                <a:satMod val="103000"/>
+                <a:tint val="73000"/>
+              </a:schemeClr>
+            </a:gs>
+            <a:gs pos="100000">
+              <a:schemeClr val="phClr">
+                <a:lumMod val="105000"/>
+                <a:satMod val="109000"/>
+                <a:tint val="81000"/>
+              </a:schemeClr>
+            </a:gs>
+          </a:gsLst>
+          <a:lin ang="5400000" scaled="0"/>
+        </a:gradFill>
+        <a:gradFill rotWithShape="1">
+          <a:gsLst>
+            <a:gs pos="0">
+              <a:schemeClr val="phClr">
+                <a:satMod val="103000"/>
+                <a:lumMod val="102000"/>
+                <a:tint val="94000"/>
+              </a:schemeClr>
+            </a:gs>
+            <a:gs pos="50000">
+              <a:schemeClr val="phClr">
+                <a:satMod val="110000"/>
+                <a:lumMod val="100000"/>
+                <a:shade val="100000"/>
+              </a:schemeClr>
+            </a:gs>
+            <a:gs pos="100000">
+              <a:schemeClr val="phClr">
+                <a:lumMod val="99000"/>
+                <a:satMod val="120000"/>
+                <a:shade val="78000"/>
+              </a:schemeClr>
+            </a:gs>
+          </a:gsLst>
+          <a:lin ang="5400000" scaled="0"/>
+        </a:gradFill>
+      </a:fillStyleLst>
+      <a:lnStyleLst>
+        <a:ln w="6350" cap="flat" cmpd="sng" algn="ctr">
+          <a:solidFill>
+            <a:schemeClr val="phClr"/>
+          </a:solidFill>
+          <a:prstDash val="solid"/>
+          <a:miter lim="800000"/>
+        </a:ln>
+        <a:ln w="12700" cap="flat" cmpd="sng" algn="ctr">
+          <a:solidFill>
+            <a:schemeClr val="phClr"/>
+          </a:solidFill>
+          <a:prstDash val="solid"/>
+          <a:miter lim="800000"/>
+        </a:ln>
+        <a:ln w="19050" cap="flat" cmpd="sng" algn="ctr">
+          <a:solidFill>
+            <a:schemeClr val="phClr"/>
+          </a:solidFill>
+          <a:prstDash val="solid"/>
+          <a:miter lim="800000"/>
+        </a:ln>
+      </a:lnStyleLst>
+      <a:effectStyleLst>
+        <a:effectStyle>
+          <a:effectLst/>
+        </a:effectStyle>
+        <a:effectStyle>
+          <a:effectLst/>
+        </a:effectStyle>
+        <a:effectStyle>
+          <a:effectLst>
+            <a:outerShdw blurRad="57150" dist="19050" dir="5400000" algn="ctr" rotWithShape="0">
+              <a:srgbClr val="000000">
+                <a:alpha val="63000"/>
+              </a:srgbClr>
+            </a:outerShdw>
+          </a:effectLst>
+        </a:effectStyle>
+      </a:effectStyleLst>
+      <a:bgFillStyleLst>
+        <a:solidFill>
+          <a:schemeClr val="phClr"/>
+        </a:solidFill>
+        <a:solidFill>
+          <a:schemeClr val="phClr">
+            <a:tint val="95000"/>
+            <a:satMod val="170000"/>
+          </a:schemeClr>
+        </a:solidFill>
+        <a:gradFill rotWithShape="1">
+          <a:gsLst>
+            <a:gs pos="0">
+              <a:schemeClr val="phClr">
+                <a:tint val="93000"/>
+                <a:satMod val="150000"/>
+                <a:shade val="98000"/>
+                <a:lumMod val="102000"/>
+              </a:schemeClr>
+            </a:gs>
+            <a:gs pos="50000">
+              <a:schemeClr val="phClr">
+                <a:tint val="98000"/>
+                <a:satMod val="130000"/>
+                <a:shade val="90000"/>
+                <a:lumMod val="103000"/>
+              </a:schemeClr>
+            </a:gs>
+            <a:gs pos="100000">
+              <a:schemeClr val="phClr">
+                <a:shade val="63000"/>
+                <a:satMod val="120000"/>
+              </a:schemeClr>
+            </a:gs>
+          </a:gsLst>
+          <a:lin ang="5400000" scaled="0"/>
+        </a:gradFill>
+      </a:bgFillStyleLst>
+    </a:fmtScheme>
+  </a:themeElements>
+  <a:objectDefaults/>
+  <a:extraClrSchemeLst/>
+  <a:extLst>
+    <a:ext uri="{05A4C25C-085E-4340-85A3-A5531E510DB2}">
+      <thm15:themeFamily xmlns:thm15="http://schemas.microsoft.com/office/thememl/2012/main" name="Office Theme" id="{62F939B6-93AF-4DB8-9C6B-D6C7DFDC589F}" vid="{4A3C46E8-61CC-4603-A589-7422A47A8E4A}"/>
+    </a:ext>
+  </a:extLst>
+</a:theme>
 </file>